--- a/05 - GAN.pptx
+++ b/05 - GAN.pptx
@@ -5,10 +5,10 @@
     <p:sldMasterId id="2147483648" r:id="rId1"/>
   </p:sldMasterIdLst>
   <p:notesMasterIdLst>
-    <p:notesMasterId r:id="rId25"/>
+    <p:notesMasterId r:id="rId30"/>
   </p:notesMasterIdLst>
   <p:handoutMasterIdLst>
-    <p:handoutMasterId r:id="rId26"/>
+    <p:handoutMasterId r:id="rId31"/>
   </p:handoutMasterIdLst>
   <p:sldIdLst>
     <p:sldId id="681" r:id="rId2"/>
@@ -29,11 +29,16 @@
     <p:sldId id="711" r:id="rId17"/>
     <p:sldId id="733" r:id="rId18"/>
     <p:sldId id="734" r:id="rId19"/>
-    <p:sldId id="735" r:id="rId20"/>
-    <p:sldId id="736" r:id="rId21"/>
-    <p:sldId id="737" r:id="rId22"/>
-    <p:sldId id="738" r:id="rId23"/>
-    <p:sldId id="739" r:id="rId24"/>
+    <p:sldId id="741" r:id="rId20"/>
+    <p:sldId id="740" r:id="rId21"/>
+    <p:sldId id="742" r:id="rId22"/>
+    <p:sldId id="743" r:id="rId23"/>
+    <p:sldId id="744" r:id="rId24"/>
+    <p:sldId id="735" r:id="rId25"/>
+    <p:sldId id="736" r:id="rId26"/>
+    <p:sldId id="737" r:id="rId27"/>
+    <p:sldId id="738" r:id="rId28"/>
+    <p:sldId id="739" r:id="rId29"/>
   </p:sldIdLst>
   <p:sldSz cx="9144000" cy="6858000" type="screen4x3"/>
   <p:notesSz cx="6858000" cy="9144000"/>
@@ -237,7 +242,7 @@
             <a:fld id="{68F88C59-319B-4332-9A1D-2A62CFCB00D8}" type="datetimeFigureOut">
               <a:rPr lang="en-US" smtClean="0"/>
               <a:pPr/>
-              <a:t>10/24/2019</a:t>
+              <a:t>11/29/2019</a:t>
             </a:fld>
             <a:endParaRPr lang="en-US" dirty="0"/>
           </a:p>
@@ -408,7 +413,7 @@
             <a:fld id="{968B300D-05F0-4B43-940D-46DED5A791AD}" type="datetimeFigureOut">
               <a:rPr lang="en-US" smtClean="0"/>
               <a:pPr/>
-              <a:t>10/24/2019</a:t>
+              <a:t>11/29/2019</a:t>
             </a:fld>
             <a:endParaRPr lang="en-US" dirty="0"/>
           </a:p>
@@ -1064,9 +1069,7 @@
         </p:nvSpPr>
         <p:spPr/>
         <p:txBody>
-          <a:bodyPr>
-            <a:normAutofit/>
-          </a:bodyPr>
+          <a:bodyPr/>
           <a:lstStyle/>
           <a:p>
             <a:endParaRPr lang="zh-TW" altLang="en-US" dirty="0"/>
@@ -1100,7 +1103,7 @@
     </p:spTree>
     <p:extLst>
       <p:ext uri="{BB962C8B-B14F-4D97-AF65-F5344CB8AC3E}">
-        <p14:creationId xmlns:p14="http://schemas.microsoft.com/office/powerpoint/2010/main" xmlns="" val="3750793346"/>
+        <p14:creationId xmlns:p14="http://schemas.microsoft.com/office/powerpoint/2010/main" xmlns="" val="2659555247"/>
       </p:ext>
     </p:extLst>
   </p:cSld>
@@ -1261,7 +1264,7 @@
             <a:fld id="{9B26CD33-4337-4529-948A-94F6960B2374}" type="slidenum">
               <a:rPr lang="en-US" smtClean="0"/>
               <a:pPr/>
-              <a:t>22</a:t>
+              <a:t>21</a:t>
             </a:fld>
             <a:endParaRPr lang="en-US" dirty="0"/>
           </a:p>
@@ -1346,7 +1349,264 @@
             <a:fld id="{9B26CD33-4337-4529-948A-94F6960B2374}" type="slidenum">
               <a:rPr lang="en-US" smtClean="0"/>
               <a:pPr/>
+              <a:t>22</a:t>
+            </a:fld>
+            <a:endParaRPr lang="en-US" dirty="0"/>
+          </a:p>
+        </p:txBody>
+      </p:sp>
+    </p:spTree>
+    <p:extLst>
+      <p:ext uri="{BB962C8B-B14F-4D97-AF65-F5344CB8AC3E}">
+        <p14:creationId xmlns:p14="http://schemas.microsoft.com/office/powerpoint/2010/main" xmlns="" val="2659555247"/>
+      </p:ext>
+    </p:extLst>
+  </p:cSld>
+  <p:clrMapOvr>
+    <a:masterClrMapping/>
+  </p:clrMapOvr>
+</p:notes>
+</file>
+
+<file path=ppt/notesSlides/notesSlide17.xml><?xml version="1.0" encoding="utf-8"?>
+<p:notes xmlns:a="http://schemas.openxmlformats.org/drawingml/2006/main" xmlns:r="http://schemas.openxmlformats.org/officeDocument/2006/relationships" xmlns:p="http://schemas.openxmlformats.org/presentationml/2006/main">
+  <p:cSld>
+    <p:spTree>
+      <p:nvGrpSpPr>
+        <p:cNvPr id="1" name=""/>
+        <p:cNvGrpSpPr/>
+        <p:nvPr/>
+      </p:nvGrpSpPr>
+      <p:grpSpPr>
+        <a:xfrm>
+          <a:off x="0" y="0"/>
+          <a:ext cx="0" cy="0"/>
+          <a:chOff x="0" y="0"/>
+          <a:chExt cx="0" cy="0"/>
+        </a:xfrm>
+      </p:grpSpPr>
+      <p:sp>
+        <p:nvSpPr>
+          <p:cNvPr id="2" name="投影片圖像版面配置區 1"/>
+          <p:cNvSpPr>
+            <a:spLocks noGrp="1" noRot="1" noChangeAspect="1"/>
+          </p:cNvSpPr>
+          <p:nvPr>
+            <p:ph type="sldImg"/>
+          </p:nvPr>
+        </p:nvSpPr>
+        <p:spPr/>
+      </p:sp>
+      <p:sp>
+        <p:nvSpPr>
+          <p:cNvPr id="3" name="備忘稿版面配置區 2"/>
+          <p:cNvSpPr>
+            <a:spLocks noGrp="1"/>
+          </p:cNvSpPr>
+          <p:nvPr>
+            <p:ph type="body" idx="1"/>
+          </p:nvPr>
+        </p:nvSpPr>
+        <p:spPr/>
+        <p:txBody>
+          <a:bodyPr/>
+          <a:lstStyle/>
+          <a:p>
+            <a:endParaRPr lang="zh-TW" altLang="en-US" dirty="0"/>
+          </a:p>
+        </p:txBody>
+      </p:sp>
+      <p:sp>
+        <p:nvSpPr>
+          <p:cNvPr id="4" name="投影片編號版面配置區 3"/>
+          <p:cNvSpPr>
+            <a:spLocks noGrp="1"/>
+          </p:cNvSpPr>
+          <p:nvPr>
+            <p:ph type="sldNum" sz="quarter" idx="10"/>
+          </p:nvPr>
+        </p:nvSpPr>
+        <p:spPr/>
+        <p:txBody>
+          <a:bodyPr/>
+          <a:lstStyle/>
+          <a:p>
+            <a:fld id="{9B26CD33-4337-4529-948A-94F6960B2374}" type="slidenum">
+              <a:rPr lang="en-US" smtClean="0"/>
+              <a:pPr/>
               <a:t>23</a:t>
+            </a:fld>
+            <a:endParaRPr lang="en-US" dirty="0"/>
+          </a:p>
+        </p:txBody>
+      </p:sp>
+    </p:spTree>
+    <p:extLst>
+      <p:ext uri="{BB962C8B-B14F-4D97-AF65-F5344CB8AC3E}">
+        <p14:creationId xmlns:p14="http://schemas.microsoft.com/office/powerpoint/2010/main" xmlns="" val="2659555247"/>
+      </p:ext>
+    </p:extLst>
+  </p:cSld>
+  <p:clrMapOvr>
+    <a:masterClrMapping/>
+  </p:clrMapOvr>
+</p:notes>
+</file>
+
+<file path=ppt/notesSlides/notesSlide18.xml><?xml version="1.0" encoding="utf-8"?>
+<p:notes xmlns:a="http://schemas.openxmlformats.org/drawingml/2006/main" xmlns:r="http://schemas.openxmlformats.org/officeDocument/2006/relationships" xmlns:p="http://schemas.openxmlformats.org/presentationml/2006/main">
+  <p:cSld>
+    <p:spTree>
+      <p:nvGrpSpPr>
+        <p:cNvPr id="1" name=""/>
+        <p:cNvGrpSpPr/>
+        <p:nvPr/>
+      </p:nvGrpSpPr>
+      <p:grpSpPr>
+        <a:xfrm>
+          <a:off x="0" y="0"/>
+          <a:ext cx="0" cy="0"/>
+          <a:chOff x="0" y="0"/>
+          <a:chExt cx="0" cy="0"/>
+        </a:xfrm>
+      </p:grpSpPr>
+      <p:sp>
+        <p:nvSpPr>
+          <p:cNvPr id="2" name="投影片圖像版面配置區 1"/>
+          <p:cNvSpPr>
+            <a:spLocks noGrp="1" noRot="1" noChangeAspect="1"/>
+          </p:cNvSpPr>
+          <p:nvPr>
+            <p:ph type="sldImg"/>
+          </p:nvPr>
+        </p:nvSpPr>
+        <p:spPr/>
+      </p:sp>
+      <p:sp>
+        <p:nvSpPr>
+          <p:cNvPr id="3" name="備忘稿版面配置區 2"/>
+          <p:cNvSpPr>
+            <a:spLocks noGrp="1"/>
+          </p:cNvSpPr>
+          <p:nvPr>
+            <p:ph type="body" idx="1"/>
+          </p:nvPr>
+        </p:nvSpPr>
+        <p:spPr/>
+        <p:txBody>
+          <a:bodyPr>
+            <a:normAutofit/>
+          </a:bodyPr>
+          <a:lstStyle/>
+          <a:p>
+            <a:endParaRPr lang="zh-TW" altLang="en-US" dirty="0"/>
+          </a:p>
+        </p:txBody>
+      </p:sp>
+      <p:sp>
+        <p:nvSpPr>
+          <p:cNvPr id="4" name="投影片編號版面配置區 3"/>
+          <p:cNvSpPr>
+            <a:spLocks noGrp="1"/>
+          </p:cNvSpPr>
+          <p:nvPr>
+            <p:ph type="sldNum" sz="quarter" idx="10"/>
+          </p:nvPr>
+        </p:nvSpPr>
+        <p:spPr/>
+        <p:txBody>
+          <a:bodyPr/>
+          <a:lstStyle/>
+          <a:p>
+            <a:fld id="{9B26CD33-4337-4529-948A-94F6960B2374}" type="slidenum">
+              <a:rPr lang="en-US" smtClean="0"/>
+              <a:pPr/>
+              <a:t>24</a:t>
+            </a:fld>
+            <a:endParaRPr lang="en-US" dirty="0"/>
+          </a:p>
+        </p:txBody>
+      </p:sp>
+    </p:spTree>
+    <p:extLst>
+      <p:ext uri="{BB962C8B-B14F-4D97-AF65-F5344CB8AC3E}">
+        <p14:creationId xmlns:p14="http://schemas.microsoft.com/office/powerpoint/2010/main" xmlns="" val="3750793346"/>
+      </p:ext>
+    </p:extLst>
+  </p:cSld>
+  <p:clrMapOvr>
+    <a:masterClrMapping/>
+  </p:clrMapOvr>
+</p:notes>
+</file>
+
+<file path=ppt/notesSlides/notesSlide19.xml><?xml version="1.0" encoding="utf-8"?>
+<p:notes xmlns:a="http://schemas.openxmlformats.org/drawingml/2006/main" xmlns:r="http://schemas.openxmlformats.org/officeDocument/2006/relationships" xmlns:p="http://schemas.openxmlformats.org/presentationml/2006/main">
+  <p:cSld>
+    <p:spTree>
+      <p:nvGrpSpPr>
+        <p:cNvPr id="1" name=""/>
+        <p:cNvGrpSpPr/>
+        <p:nvPr/>
+      </p:nvGrpSpPr>
+      <p:grpSpPr>
+        <a:xfrm>
+          <a:off x="0" y="0"/>
+          <a:ext cx="0" cy="0"/>
+          <a:chOff x="0" y="0"/>
+          <a:chExt cx="0" cy="0"/>
+        </a:xfrm>
+      </p:grpSpPr>
+      <p:sp>
+        <p:nvSpPr>
+          <p:cNvPr id="2" name="投影片圖像版面配置區 1"/>
+          <p:cNvSpPr>
+            <a:spLocks noGrp="1" noRot="1" noChangeAspect="1"/>
+          </p:cNvSpPr>
+          <p:nvPr>
+            <p:ph type="sldImg"/>
+          </p:nvPr>
+        </p:nvSpPr>
+        <p:spPr/>
+      </p:sp>
+      <p:sp>
+        <p:nvSpPr>
+          <p:cNvPr id="3" name="備忘稿版面配置區 2"/>
+          <p:cNvSpPr>
+            <a:spLocks noGrp="1"/>
+          </p:cNvSpPr>
+          <p:nvPr>
+            <p:ph type="body" idx="1"/>
+          </p:nvPr>
+        </p:nvSpPr>
+        <p:spPr/>
+        <p:txBody>
+          <a:bodyPr/>
+          <a:lstStyle/>
+          <a:p>
+            <a:endParaRPr lang="zh-TW" altLang="en-US" dirty="0"/>
+          </a:p>
+        </p:txBody>
+      </p:sp>
+      <p:sp>
+        <p:nvSpPr>
+          <p:cNvPr id="4" name="投影片編號版面配置區 3"/>
+          <p:cNvSpPr>
+            <a:spLocks noGrp="1"/>
+          </p:cNvSpPr>
+          <p:nvPr>
+            <p:ph type="sldNum" sz="quarter" idx="10"/>
+          </p:nvPr>
+        </p:nvSpPr>
+        <p:spPr/>
+        <p:txBody>
+          <a:bodyPr/>
+          <a:lstStyle/>
+          <a:p>
+            <a:fld id="{9B26CD33-4337-4529-948A-94F6960B2374}" type="slidenum">
+              <a:rPr lang="en-US" smtClean="0"/>
+              <a:pPr/>
+              <a:t>25</a:t>
             </a:fld>
             <a:endParaRPr lang="en-US" dirty="0"/>
           </a:p>
@@ -1432,6 +1692,176 @@
               <a:rPr lang="en-US" smtClean="0"/>
               <a:pPr/>
               <a:t>2</a:t>
+            </a:fld>
+            <a:endParaRPr lang="en-US" dirty="0"/>
+          </a:p>
+        </p:txBody>
+      </p:sp>
+    </p:spTree>
+    <p:extLst>
+      <p:ext uri="{BB962C8B-B14F-4D97-AF65-F5344CB8AC3E}">
+        <p14:creationId xmlns:p14="http://schemas.microsoft.com/office/powerpoint/2010/main" xmlns="" val="2659555247"/>
+      </p:ext>
+    </p:extLst>
+  </p:cSld>
+  <p:clrMapOvr>
+    <a:masterClrMapping/>
+  </p:clrMapOvr>
+</p:notes>
+</file>
+
+<file path=ppt/notesSlides/notesSlide20.xml><?xml version="1.0" encoding="utf-8"?>
+<p:notes xmlns:a="http://schemas.openxmlformats.org/drawingml/2006/main" xmlns:r="http://schemas.openxmlformats.org/officeDocument/2006/relationships" xmlns:p="http://schemas.openxmlformats.org/presentationml/2006/main">
+  <p:cSld>
+    <p:spTree>
+      <p:nvGrpSpPr>
+        <p:cNvPr id="1" name=""/>
+        <p:cNvGrpSpPr/>
+        <p:nvPr/>
+      </p:nvGrpSpPr>
+      <p:grpSpPr>
+        <a:xfrm>
+          <a:off x="0" y="0"/>
+          <a:ext cx="0" cy="0"/>
+          <a:chOff x="0" y="0"/>
+          <a:chExt cx="0" cy="0"/>
+        </a:xfrm>
+      </p:grpSpPr>
+      <p:sp>
+        <p:nvSpPr>
+          <p:cNvPr id="2" name="投影片圖像版面配置區 1"/>
+          <p:cNvSpPr>
+            <a:spLocks noGrp="1" noRot="1" noChangeAspect="1"/>
+          </p:cNvSpPr>
+          <p:nvPr>
+            <p:ph type="sldImg"/>
+          </p:nvPr>
+        </p:nvSpPr>
+        <p:spPr/>
+      </p:sp>
+      <p:sp>
+        <p:nvSpPr>
+          <p:cNvPr id="3" name="備忘稿版面配置區 2"/>
+          <p:cNvSpPr>
+            <a:spLocks noGrp="1"/>
+          </p:cNvSpPr>
+          <p:nvPr>
+            <p:ph type="body" idx="1"/>
+          </p:nvPr>
+        </p:nvSpPr>
+        <p:spPr/>
+        <p:txBody>
+          <a:bodyPr/>
+          <a:lstStyle/>
+          <a:p>
+            <a:endParaRPr lang="zh-TW" altLang="en-US" dirty="0"/>
+          </a:p>
+        </p:txBody>
+      </p:sp>
+      <p:sp>
+        <p:nvSpPr>
+          <p:cNvPr id="4" name="投影片編號版面配置區 3"/>
+          <p:cNvSpPr>
+            <a:spLocks noGrp="1"/>
+          </p:cNvSpPr>
+          <p:nvPr>
+            <p:ph type="sldNum" sz="quarter" idx="10"/>
+          </p:nvPr>
+        </p:nvSpPr>
+        <p:spPr/>
+        <p:txBody>
+          <a:bodyPr/>
+          <a:lstStyle/>
+          <a:p>
+            <a:fld id="{9B26CD33-4337-4529-948A-94F6960B2374}" type="slidenum">
+              <a:rPr lang="en-US" smtClean="0"/>
+              <a:pPr/>
+              <a:t>27</a:t>
+            </a:fld>
+            <a:endParaRPr lang="en-US" dirty="0"/>
+          </a:p>
+        </p:txBody>
+      </p:sp>
+    </p:spTree>
+    <p:extLst>
+      <p:ext uri="{BB962C8B-B14F-4D97-AF65-F5344CB8AC3E}">
+        <p14:creationId xmlns:p14="http://schemas.microsoft.com/office/powerpoint/2010/main" xmlns="" val="2659555247"/>
+      </p:ext>
+    </p:extLst>
+  </p:cSld>
+  <p:clrMapOvr>
+    <a:masterClrMapping/>
+  </p:clrMapOvr>
+</p:notes>
+</file>
+
+<file path=ppt/notesSlides/notesSlide21.xml><?xml version="1.0" encoding="utf-8"?>
+<p:notes xmlns:a="http://schemas.openxmlformats.org/drawingml/2006/main" xmlns:r="http://schemas.openxmlformats.org/officeDocument/2006/relationships" xmlns:p="http://schemas.openxmlformats.org/presentationml/2006/main">
+  <p:cSld>
+    <p:spTree>
+      <p:nvGrpSpPr>
+        <p:cNvPr id="1" name=""/>
+        <p:cNvGrpSpPr/>
+        <p:nvPr/>
+      </p:nvGrpSpPr>
+      <p:grpSpPr>
+        <a:xfrm>
+          <a:off x="0" y="0"/>
+          <a:ext cx="0" cy="0"/>
+          <a:chOff x="0" y="0"/>
+          <a:chExt cx="0" cy="0"/>
+        </a:xfrm>
+      </p:grpSpPr>
+      <p:sp>
+        <p:nvSpPr>
+          <p:cNvPr id="2" name="投影片圖像版面配置區 1"/>
+          <p:cNvSpPr>
+            <a:spLocks noGrp="1" noRot="1" noChangeAspect="1"/>
+          </p:cNvSpPr>
+          <p:nvPr>
+            <p:ph type="sldImg"/>
+          </p:nvPr>
+        </p:nvSpPr>
+        <p:spPr/>
+      </p:sp>
+      <p:sp>
+        <p:nvSpPr>
+          <p:cNvPr id="3" name="備忘稿版面配置區 2"/>
+          <p:cNvSpPr>
+            <a:spLocks noGrp="1"/>
+          </p:cNvSpPr>
+          <p:nvPr>
+            <p:ph type="body" idx="1"/>
+          </p:nvPr>
+        </p:nvSpPr>
+        <p:spPr/>
+        <p:txBody>
+          <a:bodyPr/>
+          <a:lstStyle/>
+          <a:p>
+            <a:endParaRPr lang="zh-TW" altLang="en-US" dirty="0"/>
+          </a:p>
+        </p:txBody>
+      </p:sp>
+      <p:sp>
+        <p:nvSpPr>
+          <p:cNvPr id="4" name="投影片編號版面配置區 3"/>
+          <p:cNvSpPr>
+            <a:spLocks noGrp="1"/>
+          </p:cNvSpPr>
+          <p:nvPr>
+            <p:ph type="sldNum" sz="quarter" idx="10"/>
+          </p:nvPr>
+        </p:nvSpPr>
+        <p:spPr/>
+        <p:txBody>
+          <a:bodyPr/>
+          <a:lstStyle/>
+          <a:p>
+            <a:fld id="{9B26CD33-4337-4529-948A-94F6960B2374}" type="slidenum">
+              <a:rPr lang="en-US" smtClean="0"/>
+              <a:pPr/>
+              <a:t>28</a:t>
             </a:fld>
             <a:endParaRPr lang="en-US" dirty="0"/>
           </a:p>
@@ -4656,7 +5086,7 @@
                 </a:solidFill>
               </a:rPr>
               <a:pPr/>
-              <a:t>10/24/2019</a:t>
+              <a:t>11/29/2019</a:t>
             </a:fld>
             <a:endParaRPr kumimoji="0" lang="en-US" dirty="0"/>
           </a:p>
@@ -5047,7 +5477,7 @@
                 </a:solidFill>
               </a:rPr>
               <a:pPr/>
-              <a:t>10/24/2019</a:t>
+              <a:t>11/29/2019</a:t>
             </a:fld>
             <a:endParaRPr kumimoji="0" lang="en-US" dirty="0"/>
           </a:p>
@@ -5382,7 +5812,7 @@
                 </a:solidFill>
               </a:rPr>
               <a:pPr/>
-              <a:t>10/24/2019</a:t>
+              <a:t>11/29/2019</a:t>
             </a:fld>
             <a:endParaRPr kumimoji="0" lang="en-US" dirty="0"/>
           </a:p>
@@ -5958,7 +6388,7 @@
                 </a:solidFill>
               </a:rPr>
               <a:pPr/>
-              <a:t>10/24/2019</a:t>
+              <a:t>11/29/2019</a:t>
             </a:fld>
             <a:endParaRPr kumimoji="0" lang="en-US" dirty="0"/>
           </a:p>
@@ -6522,7 +6952,7 @@
                 </a:solidFill>
               </a:rPr>
               <a:pPr/>
-              <a:t>10/24/2019</a:t>
+              <a:t>11/29/2019</a:t>
             </a:fld>
             <a:endParaRPr kumimoji="0" lang="en-US" dirty="0"/>
           </a:p>
@@ -6981,7 +7411,7 @@
                 </a:solidFill>
               </a:rPr>
               <a:pPr/>
-              <a:t>10/24/2019</a:t>
+              <a:t>11/29/2019</a:t>
             </a:fld>
             <a:endParaRPr kumimoji="0" lang="en-US" dirty="0"/>
           </a:p>
@@ -7405,7 +7835,7 @@
                 </a:solidFill>
               </a:rPr>
               <a:pPr/>
-              <a:t>10/24/2019</a:t>
+              <a:t>11/29/2019</a:t>
             </a:fld>
             <a:endParaRPr kumimoji="0" lang="en-US" dirty="0"/>
           </a:p>
@@ -7909,7 +8339,7 @@
                 </a:solidFill>
               </a:rPr>
               <a:pPr/>
-              <a:t>10/24/2019</a:t>
+              <a:t>11/29/2019</a:t>
             </a:fld>
             <a:endParaRPr kumimoji="0" lang="en-US" dirty="0"/>
           </a:p>
@@ -8413,7 +8843,7 @@
                 </a:solidFill>
               </a:rPr>
               <a:pPr/>
-              <a:t>10/24/2019</a:t>
+              <a:t>11/29/2019</a:t>
             </a:fld>
             <a:endParaRPr kumimoji="0" lang="en-US" dirty="0"/>
           </a:p>
@@ -8629,7 +9059,7 @@
                 </a:solidFill>
               </a:rPr>
               <a:pPr/>
-              <a:t>10/24/2019</a:t>
+              <a:t>11/29/2019</a:t>
             </a:fld>
             <a:endParaRPr kumimoji="0" lang="en-US" dirty="0"/>
           </a:p>
@@ -8957,7 +9387,7 @@
                 </a:solidFill>
               </a:rPr>
               <a:pPr/>
-              <a:t>10/24/2019</a:t>
+              <a:t>11/29/2019</a:t>
             </a:fld>
             <a:endParaRPr kumimoji="0" lang="en-US" dirty="0"/>
           </a:p>
@@ -9183,7 +9613,7 @@
                 </a:solidFill>
               </a:rPr>
               <a:pPr/>
-              <a:t>10/24/2019</a:t>
+              <a:t>11/29/2019</a:t>
             </a:fld>
             <a:endParaRPr kumimoji="0" lang="en-US" dirty="0"/>
           </a:p>
@@ -9402,7 +9832,7 @@
                 </a:solidFill>
               </a:rPr>
               <a:pPr/>
-              <a:t>10/24/2019</a:t>
+              <a:t>11/29/2019</a:t>
             </a:fld>
             <a:endParaRPr kumimoji="0" lang="en-US" dirty="0"/>
           </a:p>
@@ -9578,7 +10008,7 @@
             <a:fld id="{ACB2EC6F-6501-4E04-BD6C-A8A6CABB2C5B}" type="datetimeFigureOut">
               <a:rPr kumimoji="0" lang="en-US" smtClean="0"/>
               <a:pPr/>
-              <a:t>10/24/2019</a:t>
+              <a:t>11/29/2019</a:t>
             </a:fld>
             <a:endParaRPr kumimoji="0" lang="en-US" dirty="0"/>
           </a:p>
@@ -9823,7 +10253,7 @@
                 </a:solidFill>
               </a:rPr>
               <a:pPr/>
-              <a:t>10/24/2019</a:t>
+              <a:t>11/29/2019</a:t>
             </a:fld>
             <a:endParaRPr kumimoji="0" lang="en-US" dirty="0"/>
           </a:p>
@@ -10295,7 +10725,7 @@
                 </a:solidFill>
               </a:rPr>
               <a:pPr/>
-              <a:t>10/24/2019</a:t>
+              <a:t>11/29/2019</a:t>
             </a:fld>
             <a:endParaRPr kumimoji="0" lang="en-US" dirty="0"/>
           </a:p>
@@ -10647,7 +11077,7 @@
                 </a:solidFill>
               </a:rPr>
               <a:pPr/>
-              <a:t>10/24/2019</a:t>
+              <a:t>11/29/2019</a:t>
             </a:fld>
             <a:endParaRPr kumimoji="0" lang="en-US" dirty="0"/>
           </a:p>
@@ -11005,7 +11435,7 @@
                 </a:solidFill>
               </a:rPr>
               <a:pPr/>
-              <a:t>10/24/2019</a:t>
+              <a:t>11/29/2019</a:t>
             </a:fld>
             <a:endParaRPr kumimoji="0" lang="en-US" dirty="0"/>
           </a:p>
@@ -11310,7 +11740,7 @@
                 </a:solidFill>
               </a:rPr>
               <a:pPr/>
-              <a:t>10/24/2019</a:t>
+              <a:t>11/29/2019</a:t>
             </a:fld>
             <a:endParaRPr kumimoji="0" lang="en-US" dirty="0"/>
           </a:p>
@@ -11786,7 +12216,7 @@
                 </a:solidFill>
               </a:rPr>
               <a:pPr/>
-              <a:t>10/24/2019</a:t>
+              <a:t>11/29/2019</a:t>
             </a:fld>
             <a:endParaRPr kumimoji="0" lang="en-US" dirty="0"/>
           </a:p>
@@ -12023,7 +12453,7 @@
                 </a:solidFill>
               </a:rPr>
               <a:pPr/>
-              <a:t>10/24/2019</a:t>
+              <a:t>11/29/2019</a:t>
             </a:fld>
             <a:endParaRPr kumimoji="0" lang="en-US" sz="1200" dirty="0">
               <a:solidFill>
@@ -12513,14 +12943,7 @@
                 <a:latin typeface="微軟正黑體" pitchFamily="34" charset="-120"/>
                 <a:ea typeface="微軟正黑體" pitchFamily="34" charset="-120"/>
               </a:rPr>
-              <a:t>生成對抗</a:t>
-            </a:r>
-            <a:r>
-              <a:rPr lang="zh-TW" altLang="en-US" sz="6000" b="1" dirty="0" smtClean="0">
-                <a:latin typeface="微軟正黑體" pitchFamily="34" charset="-120"/>
-                <a:ea typeface="微軟正黑體" pitchFamily="34" charset="-120"/>
-              </a:rPr>
-              <a:t>網路</a:t>
+              <a:t>生成對抗網路</a:t>
             </a:r>
             <a:r>
               <a:rPr lang="en-US" altLang="zh-TW" sz="6000" b="1" dirty="0" smtClean="0">
@@ -12780,14 +13203,7 @@
                 <a:latin typeface="微軟正黑體" pitchFamily="34" charset="-120"/>
                 <a:ea typeface="微軟正黑體" pitchFamily="34" charset="-120"/>
               </a:rPr>
-              <a:t>越</a:t>
-            </a:r>
-            <a:r>
-              <a:rPr lang="zh-TW" altLang="en-US" sz="3600" dirty="0" smtClean="0">
-                <a:latin typeface="微軟正黑體" pitchFamily="34" charset="-120"/>
-                <a:ea typeface="微軟正黑體" pitchFamily="34" charset="-120"/>
-              </a:rPr>
-              <a:t>好</a:t>
+              <a:t>越好</a:t>
             </a:r>
             <a:endParaRPr lang="en-US" altLang="zh-TW" sz="3600" dirty="0" smtClean="0">
               <a:latin typeface="微軟正黑體" pitchFamily="34" charset="-120"/>
@@ -12904,14 +13320,7 @@
                 <a:latin typeface="微軟正黑體" pitchFamily="34" charset="-120"/>
                 <a:ea typeface="微軟正黑體" pitchFamily="34" charset="-120"/>
               </a:rPr>
-              <a:t>越</a:t>
-            </a:r>
-            <a:r>
-              <a:rPr lang="zh-TW" altLang="en-US" sz="3600" dirty="0" smtClean="0">
-                <a:latin typeface="微軟正黑體" pitchFamily="34" charset="-120"/>
-                <a:ea typeface="微軟正黑體" pitchFamily="34" charset="-120"/>
-              </a:rPr>
-              <a:t>好</a:t>
+              <a:t>越好</a:t>
             </a:r>
             <a:endParaRPr lang="zh-TW" altLang="en-US" sz="3600" b="1" dirty="0" smtClean="0">
               <a:latin typeface="微軟正黑體" pitchFamily="34" charset="-120"/>
@@ -13810,14 +14219,14 @@
       </p:grpSpPr>
       <p:sp>
         <p:nvSpPr>
-          <p:cNvPr id="4" name="文字方塊 3"/>
+          <p:cNvPr id="5" name="文字方塊 4"/>
           <p:cNvSpPr txBox="1"/>
           <p:nvPr/>
         </p:nvSpPr>
         <p:spPr>
           <a:xfrm>
-            <a:off x="838200" y="2895600"/>
-            <a:ext cx="7772400" cy="1015663"/>
+            <a:off x="609600" y="1752600"/>
+            <a:ext cx="8229600" cy="4524315"/>
           </a:xfrm>
           <a:prstGeom prst="rect">
             <a:avLst/>
@@ -13830,22 +14239,302 @@
           </a:bodyPr>
           <a:lstStyle/>
           <a:p>
-            <a:pPr algn="ctr"/>
-            <a:r>
-              <a:rPr lang="en-US" altLang="zh-TW" sz="6000" b="1" dirty="0" smtClean="0">
-                <a:latin typeface="微軟正黑體" pitchFamily="34" charset="-120"/>
-                <a:ea typeface="微軟正黑體" pitchFamily="34" charset="-120"/>
-              </a:rPr>
-              <a:t>DCGAN</a:t>
-            </a:r>
-            <a:r>
-              <a:rPr lang="zh-TW" altLang="en-US" sz="6000" b="1" dirty="0" smtClean="0">
-                <a:latin typeface="微軟正黑體" pitchFamily="34" charset="-120"/>
-                <a:ea typeface="微軟正黑體" pitchFamily="34" charset="-120"/>
-              </a:rPr>
-              <a:t>的介紹</a:t>
-            </a:r>
-            <a:endParaRPr kumimoji="1" lang="en-US" altLang="zh-TW" sz="6000" b="1" dirty="0">
+            <a:pPr marL="742950" indent="-742950">
+              <a:buFont typeface="+mj-lt"/>
+              <a:buAutoNum type="arabicPeriod"/>
+            </a:pPr>
+            <a:r>
+              <a:rPr lang="zh-TW" altLang="en-US" sz="3600" dirty="0" smtClean="0">
+                <a:latin typeface="微軟正黑體" pitchFamily="34" charset="-120"/>
+                <a:ea typeface="微軟正黑體" pitchFamily="34" charset="-120"/>
+              </a:rPr>
+              <a:t>建立一個分辨器網路</a:t>
+            </a:r>
+            <a:endParaRPr lang="en-US" altLang="zh-TW" sz="3600" dirty="0" smtClean="0">
+              <a:latin typeface="微軟正黑體" pitchFamily="34" charset="-120"/>
+              <a:ea typeface="微軟正黑體" pitchFamily="34" charset="-120"/>
+            </a:endParaRPr>
+          </a:p>
+          <a:p>
+            <a:pPr marL="742950" indent="-742950">
+              <a:buFont typeface="+mj-lt"/>
+              <a:buAutoNum type="arabicPeriod"/>
+            </a:pPr>
+            <a:r>
+              <a:rPr lang="zh-TW" altLang="en-US" sz="3600" dirty="0" smtClean="0">
+                <a:latin typeface="微軟正黑體" pitchFamily="34" charset="-120"/>
+                <a:ea typeface="微軟正黑體" pitchFamily="34" charset="-120"/>
+              </a:rPr>
+              <a:t>建立一個產生器網路</a:t>
+            </a:r>
+            <a:endParaRPr lang="en-US" altLang="zh-TW" sz="3600" dirty="0" smtClean="0">
+              <a:latin typeface="微軟正黑體" pitchFamily="34" charset="-120"/>
+              <a:ea typeface="微軟正黑體" pitchFamily="34" charset="-120"/>
+            </a:endParaRPr>
+          </a:p>
+          <a:p>
+            <a:pPr marL="742950" indent="-742950">
+              <a:buFont typeface="+mj-lt"/>
+              <a:buAutoNum type="arabicPeriod"/>
+            </a:pPr>
+            <a:r>
+              <a:rPr lang="zh-TW" altLang="en-US" sz="3600" dirty="0" smtClean="0">
+                <a:latin typeface="微軟正黑體" pitchFamily="34" charset="-120"/>
+                <a:ea typeface="微軟正黑體" pitchFamily="34" charset="-120"/>
+              </a:rPr>
+              <a:t>在迴圈中</a:t>
+            </a:r>
+            <a:endParaRPr lang="en-US" altLang="zh-TW" sz="3600" dirty="0" smtClean="0">
+              <a:latin typeface="微軟正黑體" pitchFamily="34" charset="-120"/>
+              <a:ea typeface="微軟正黑體" pitchFamily="34" charset="-120"/>
+            </a:endParaRPr>
+          </a:p>
+          <a:p>
+            <a:pPr marL="1200150" lvl="1" indent="-742950">
+              <a:buFont typeface="+mj-lt"/>
+              <a:buAutoNum type="arabicPeriod"/>
+            </a:pPr>
+            <a:r>
+              <a:rPr lang="zh-TW" altLang="en-US" sz="3600" dirty="0" smtClean="0">
+                <a:latin typeface="微軟正黑體" pitchFamily="34" charset="-120"/>
+                <a:ea typeface="微軟正黑體" pitchFamily="34" charset="-120"/>
+              </a:rPr>
+              <a:t>圖型不用照其原來的方式分類</a:t>
+            </a:r>
+            <a:endParaRPr lang="en-US" altLang="zh-TW" sz="3600" dirty="0" smtClean="0">
+              <a:latin typeface="微軟正黑體" pitchFamily="34" charset="-120"/>
+              <a:ea typeface="微軟正黑體" pitchFamily="34" charset="-120"/>
+            </a:endParaRPr>
+          </a:p>
+          <a:p>
+            <a:pPr marL="1200150" lvl="1" indent="-742950">
+              <a:buFont typeface="+mj-lt"/>
+              <a:buAutoNum type="arabicPeriod"/>
+            </a:pPr>
+            <a:r>
+              <a:rPr lang="zh-TW" altLang="en-US" sz="3600" dirty="0" smtClean="0">
+                <a:latin typeface="微軟正黑體" pitchFamily="34" charset="-120"/>
+                <a:ea typeface="微軟正黑體" pitchFamily="34" charset="-120"/>
+              </a:rPr>
+              <a:t>正常圖型的類別就是</a:t>
+            </a:r>
+            <a:r>
+              <a:rPr lang="en-US" altLang="zh-TW" sz="3600" dirty="0" smtClean="0">
+                <a:latin typeface="微軟正黑體" pitchFamily="34" charset="-120"/>
+                <a:ea typeface="微軟正黑體" pitchFamily="34" charset="-120"/>
+              </a:rPr>
+              <a:t>1</a:t>
+            </a:r>
+            <a:r>
+              <a:rPr lang="zh-TW" altLang="en-US" sz="3600" dirty="0" smtClean="0">
+                <a:latin typeface="微軟正黑體" pitchFamily="34" charset="-120"/>
+                <a:ea typeface="微軟正黑體" pitchFamily="34" charset="-120"/>
+              </a:rPr>
+              <a:t>，假的為</a:t>
+            </a:r>
+            <a:r>
+              <a:rPr lang="en-US" altLang="zh-TW" sz="3600" dirty="0" smtClean="0">
+                <a:latin typeface="微軟正黑體" pitchFamily="34" charset="-120"/>
+                <a:ea typeface="微軟正黑體" pitchFamily="34" charset="-120"/>
+              </a:rPr>
+              <a:t>0</a:t>
+            </a:r>
+          </a:p>
+          <a:p>
+            <a:pPr marL="1200150" lvl="1" indent="-742950">
+              <a:buFont typeface="+mj-lt"/>
+              <a:buAutoNum type="arabicPeriod"/>
+            </a:pPr>
+            <a:r>
+              <a:rPr lang="zh-TW" altLang="en-US" sz="3600" dirty="0" smtClean="0">
+                <a:latin typeface="微軟正黑體" pitchFamily="34" charset="-120"/>
+                <a:ea typeface="微軟正黑體" pitchFamily="34" charset="-120"/>
+              </a:rPr>
+              <a:t>從正常圖型進入</a:t>
+            </a:r>
+            <a:r>
+              <a:rPr lang="en-US" altLang="zh-TW" sz="3600" dirty="0" smtClean="0">
+                <a:latin typeface="微軟正黑體" pitchFamily="34" charset="-120"/>
+                <a:ea typeface="微軟正黑體" pitchFamily="34" charset="-120"/>
+              </a:rPr>
+              <a:t>D</a:t>
+            </a:r>
+            <a:r>
+              <a:rPr lang="zh-TW" altLang="en-US" sz="3600" dirty="0" smtClean="0">
+                <a:latin typeface="微軟正黑體" pitchFamily="34" charset="-120"/>
+                <a:ea typeface="微軟正黑體" pitchFamily="34" charset="-120"/>
+              </a:rPr>
+              <a:t>產生</a:t>
+            </a:r>
+            <a:r>
+              <a:rPr lang="en-US" altLang="zh-TW" sz="3600" dirty="0" smtClean="0">
+                <a:latin typeface="微軟正黑體" pitchFamily="34" charset="-120"/>
+                <a:ea typeface="微軟正黑體" pitchFamily="34" charset="-120"/>
+              </a:rPr>
+              <a:t>1</a:t>
+            </a:r>
+            <a:r>
+              <a:rPr lang="zh-TW" altLang="en-US" sz="3600" dirty="0" smtClean="0">
+                <a:latin typeface="微軟正黑體" pitchFamily="34" charset="-120"/>
+                <a:ea typeface="微軟正黑體" pitchFamily="34" charset="-120"/>
+              </a:rPr>
+              <a:t>的圖算</a:t>
+            </a:r>
+            <a:r>
+              <a:rPr lang="en-US" altLang="zh-TW" sz="3600" dirty="0" smtClean="0">
+                <a:latin typeface="微軟正黑體" pitchFamily="34" charset="-120"/>
+                <a:ea typeface="微軟正黑體" pitchFamily="34" charset="-120"/>
+              </a:rPr>
+              <a:t>LOSS</a:t>
+            </a:r>
+          </a:p>
+          <a:p>
+            <a:pPr marL="1200150" lvl="1" indent="-742950">
+              <a:buFont typeface="+mj-lt"/>
+              <a:buAutoNum type="arabicPeriod"/>
+            </a:pPr>
+            <a:r>
+              <a:rPr lang="zh-TW" altLang="en-US" sz="3600" dirty="0" smtClean="0">
+                <a:latin typeface="微軟正黑體" pitchFamily="34" charset="-120"/>
+                <a:ea typeface="微軟正黑體" pitchFamily="34" charset="-120"/>
+              </a:rPr>
+              <a:t>從假圖型進入</a:t>
+            </a:r>
+            <a:r>
+              <a:rPr lang="en-US" altLang="zh-TW" sz="3600" dirty="0" smtClean="0">
+                <a:latin typeface="微軟正黑體" pitchFamily="34" charset="-120"/>
+                <a:ea typeface="微軟正黑體" pitchFamily="34" charset="-120"/>
+              </a:rPr>
+              <a:t>D</a:t>
+            </a:r>
+            <a:r>
+              <a:rPr lang="zh-TW" altLang="en-US" sz="3600" dirty="0" smtClean="0">
+                <a:latin typeface="微軟正黑體" pitchFamily="34" charset="-120"/>
+                <a:ea typeface="微軟正黑體" pitchFamily="34" charset="-120"/>
+              </a:rPr>
+              <a:t>產生</a:t>
+            </a:r>
+            <a:r>
+              <a:rPr lang="en-US" altLang="zh-TW" sz="3600" dirty="0" smtClean="0">
+                <a:latin typeface="微軟正黑體" pitchFamily="34" charset="-120"/>
+                <a:ea typeface="微軟正黑體" pitchFamily="34" charset="-120"/>
+              </a:rPr>
+              <a:t>0</a:t>
+            </a:r>
+            <a:r>
+              <a:rPr lang="zh-TW" altLang="en-US" sz="3600" dirty="0" smtClean="0">
+                <a:latin typeface="微軟正黑體" pitchFamily="34" charset="-120"/>
+                <a:ea typeface="微軟正黑體" pitchFamily="34" charset="-120"/>
+              </a:rPr>
+              <a:t>的圖算</a:t>
+            </a:r>
+            <a:r>
+              <a:rPr lang="en-US" altLang="zh-TW" sz="3600" dirty="0" smtClean="0">
+                <a:latin typeface="微軟正黑體" pitchFamily="34" charset="-120"/>
+                <a:ea typeface="微軟正黑體" pitchFamily="34" charset="-120"/>
+              </a:rPr>
+              <a:t>LOSS</a:t>
+            </a:r>
+            <a:endParaRPr lang="en-US" altLang="zh-TW" sz="3600" dirty="0">
+              <a:latin typeface="微軟正黑體" pitchFamily="34" charset="-120"/>
+              <a:ea typeface="微軟正黑體" pitchFamily="34" charset="-120"/>
+            </a:endParaRPr>
+          </a:p>
+        </p:txBody>
+      </p:sp>
+      <p:sp>
+        <p:nvSpPr>
+          <p:cNvPr id="4" name="文字版面配置區 2"/>
+          <p:cNvSpPr txBox="1">
+            <a:spLocks/>
+          </p:cNvSpPr>
+          <p:nvPr/>
+        </p:nvSpPr>
+        <p:spPr>
+          <a:xfrm>
+            <a:off x="1143000" y="304800"/>
+            <a:ext cx="7315200" cy="990600"/>
+          </a:xfrm>
+          <a:prstGeom prst="rect">
+            <a:avLst/>
+          </a:prstGeom>
+        </p:spPr>
+        <p:txBody>
+          <a:bodyPr tIns="91440" bIns="91440" anchor="b" anchorCtr="0">
+            <a:noAutofit/>
+          </a:bodyPr>
+          <a:lstStyle/>
+          <a:p>
+            <a:pPr algn="ctr">
+              <a:spcBef>
+                <a:spcPct val="20000"/>
+              </a:spcBef>
+              <a:defRPr/>
+            </a:pPr>
+            <a:r>
+              <a:rPr kumimoji="0" lang="zh-TW" altLang="en-US" sz="4800" b="1" i="0" u="none" strike="noStrike" kern="0" cap="none" spc="0" normalizeH="0" baseline="0" noProof="0" dirty="0" smtClean="0">
+                <a:ln>
+                  <a:noFill/>
+                </a:ln>
+                <a:solidFill>
+                  <a:srgbClr val="00B0F0"/>
+                </a:solidFill>
+                <a:effectLst>
+                  <a:outerShdw blurRad="38100" dist="38100" dir="2700000" algn="tl">
+                    <a:srgbClr val="000000">
+                      <a:alpha val="43137"/>
+                    </a:srgbClr>
+                  </a:outerShdw>
+                </a:effectLst>
+                <a:uLnTx/>
+                <a:uFillTx/>
+                <a:latin typeface="微軟正黑體" panose="020B0604030504040204" pitchFamily="34" charset="-120"/>
+                <a:ea typeface="微軟正黑體" panose="020B0604030504040204" pitchFamily="34" charset="-120"/>
+                <a:cs typeface="+mn-cs"/>
+              </a:rPr>
+              <a:t>建立</a:t>
+            </a:r>
+            <a:r>
+              <a:rPr lang="en-US" altLang="zh-TW" sz="4800" b="1" kern="0" dirty="0" smtClean="0">
+                <a:solidFill>
+                  <a:srgbClr val="00B0F0"/>
+                </a:solidFill>
+                <a:effectLst>
+                  <a:outerShdw blurRad="38100" dist="38100" dir="2700000" algn="tl">
+                    <a:srgbClr val="000000">
+                      <a:alpha val="43137"/>
+                    </a:srgbClr>
+                  </a:outerShdw>
+                </a:effectLst>
+                <a:latin typeface="微軟正黑體" panose="020B0604030504040204" pitchFamily="34" charset="-120"/>
+                <a:ea typeface="微軟正黑體" panose="020B0604030504040204" pitchFamily="34" charset="-120"/>
+              </a:rPr>
+              <a:t>GAN</a:t>
+            </a:r>
+            <a:r>
+              <a:rPr lang="zh-TW" altLang="en-US" sz="4800" b="1" kern="0" dirty="0" smtClean="0">
+                <a:solidFill>
+                  <a:srgbClr val="00B0F0"/>
+                </a:solidFill>
+                <a:effectLst>
+                  <a:outerShdw blurRad="38100" dist="38100" dir="2700000" algn="tl">
+                    <a:srgbClr val="000000">
+                      <a:alpha val="43137"/>
+                    </a:srgbClr>
+                  </a:outerShdw>
+                </a:effectLst>
+                <a:latin typeface="微軟正黑體" panose="020B0604030504040204" pitchFamily="34" charset="-120"/>
+                <a:ea typeface="微軟正黑體" panose="020B0604030504040204" pitchFamily="34" charset="-120"/>
+              </a:rPr>
+              <a:t>的步驟</a:t>
+            </a:r>
+            <a:endParaRPr kumimoji="0" lang="zh-TW" altLang="en-US" sz="4800" b="1" i="0" u="none" strike="noStrike" kern="0" cap="none" spc="0" normalizeH="0" baseline="0" noProof="0" dirty="0">
+              <a:ln>
+                <a:noFill/>
+              </a:ln>
+              <a:solidFill>
+                <a:srgbClr val="00B0F0"/>
+              </a:solidFill>
               <a:effectLst>
                 <a:outerShdw blurRad="38100" dist="38100" dir="2700000" algn="tl">
                   <a:srgbClr val="000000">
@@ -13853,9 +14542,11 @@
                   </a:srgbClr>
                 </a:outerShdw>
               </a:effectLst>
-              <a:latin typeface="微軟正黑體" pitchFamily="34" charset="-120"/>
-              <a:ea typeface="微軟正黑體" pitchFamily="34" charset="-120"/>
-              <a:cs typeface="Arial"/>
+              <a:uLnTx/>
+              <a:uFillTx/>
+              <a:latin typeface="微軟正黑體" panose="020B0604030504040204" pitchFamily="34" charset="-120"/>
+              <a:ea typeface="微軟正黑體" panose="020B0604030504040204" pitchFamily="34" charset="-120"/>
+              <a:cs typeface="+mn-cs"/>
             </a:endParaRPr>
           </a:p>
         </p:txBody>
@@ -13863,7 +14554,7 @@
     </p:spTree>
     <p:extLst>
       <p:ext uri="{BB962C8B-B14F-4D97-AF65-F5344CB8AC3E}">
-        <p14:creationId xmlns:p14="http://schemas.microsoft.com/office/powerpoint/2010/main" xmlns="" val="2461702271"/>
+        <p14:creationId xmlns:p14="http://schemas.microsoft.com/office/powerpoint/2010/main" xmlns="" val="522405798"/>
       </p:ext>
     </p:extLst>
   </p:cSld>
@@ -14181,295 +14872,6 @@
       </p:grpSpPr>
       <p:sp>
         <p:nvSpPr>
-          <p:cNvPr id="5" name="文字方塊 4"/>
-          <p:cNvSpPr txBox="1"/>
-          <p:nvPr/>
-        </p:nvSpPr>
-        <p:spPr>
-          <a:xfrm>
-            <a:off x="457200" y="2286000"/>
-            <a:ext cx="8382000" cy="2862322"/>
-          </a:xfrm>
-          <a:prstGeom prst="rect">
-            <a:avLst/>
-          </a:prstGeom>
-          <a:noFill/>
-        </p:spPr>
-        <p:txBody>
-          <a:bodyPr wrap="square" rtlCol="0">
-            <a:spAutoFit/>
-          </a:bodyPr>
-          <a:lstStyle/>
-          <a:p>
-            <a:pPr marL="742950" indent="-742950">
-              <a:buFont typeface="+mj-lt"/>
-              <a:buAutoNum type="arabicPeriod"/>
-            </a:pPr>
-            <a:r>
-              <a:rPr lang="en-US" altLang="zh-TW" sz="3600" dirty="0" smtClean="0">
-                <a:latin typeface="微軟正黑體" pitchFamily="34" charset="-120"/>
-                <a:ea typeface="微軟正黑體" pitchFamily="34" charset="-120"/>
-              </a:rPr>
-              <a:t>Deep </a:t>
-            </a:r>
-            <a:r>
-              <a:rPr lang="en-US" altLang="zh-TW" sz="3600" dirty="0" err="1" smtClean="0">
-                <a:latin typeface="微軟正黑體" pitchFamily="34" charset="-120"/>
-                <a:ea typeface="微軟正黑體" pitchFamily="34" charset="-120"/>
-              </a:rPr>
-              <a:t>Convolutional</a:t>
-            </a:r>
-            <a:r>
-              <a:rPr lang="en-US" altLang="zh-TW" sz="3600" dirty="0" smtClean="0">
-                <a:latin typeface="微軟正黑體" pitchFamily="34" charset="-120"/>
-                <a:ea typeface="微軟正黑體" pitchFamily="34" charset="-120"/>
-              </a:rPr>
-              <a:t> GAN</a:t>
-            </a:r>
-          </a:p>
-          <a:p>
-            <a:pPr marL="742950" indent="-742950">
-              <a:buFont typeface="+mj-lt"/>
-              <a:buAutoNum type="arabicPeriod"/>
-            </a:pPr>
-            <a:r>
-              <a:rPr lang="zh-TW" altLang="en-US" sz="3600" dirty="0" smtClean="0">
-                <a:latin typeface="微軟正黑體" pitchFamily="34" charset="-120"/>
-                <a:ea typeface="微軟正黑體" pitchFamily="34" charset="-120"/>
-              </a:rPr>
-              <a:t>將</a:t>
-            </a:r>
-            <a:r>
-              <a:rPr lang="en-US" altLang="zh-TW" sz="3600" dirty="0" smtClean="0">
-                <a:latin typeface="微軟正黑體" pitchFamily="34" charset="-120"/>
-                <a:ea typeface="微軟正黑體" pitchFamily="34" charset="-120"/>
-              </a:rPr>
-              <a:t>D</a:t>
-            </a:r>
-            <a:r>
-              <a:rPr lang="zh-TW" altLang="en-US" sz="3600" dirty="0" smtClean="0">
-                <a:latin typeface="微軟正黑體" pitchFamily="34" charset="-120"/>
-                <a:ea typeface="微軟正黑體" pitchFamily="34" charset="-120"/>
-              </a:rPr>
-              <a:t>和</a:t>
-            </a:r>
-            <a:r>
-              <a:rPr lang="en-US" altLang="zh-TW" sz="3600" dirty="0" smtClean="0">
-                <a:latin typeface="微軟正黑體" pitchFamily="34" charset="-120"/>
-                <a:ea typeface="微軟正黑體" pitchFamily="34" charset="-120"/>
-              </a:rPr>
-              <a:t>G</a:t>
-            </a:r>
-            <a:r>
-              <a:rPr lang="zh-TW" altLang="en-US" sz="3600" dirty="0" smtClean="0">
-                <a:latin typeface="微軟正黑體" pitchFamily="34" charset="-120"/>
-                <a:ea typeface="微軟正黑體" pitchFamily="34" charset="-120"/>
-              </a:rPr>
-              <a:t>從</a:t>
-            </a:r>
-            <a:r>
-              <a:rPr lang="en-US" altLang="zh-TW" sz="3600" dirty="0" smtClean="0">
-                <a:latin typeface="微軟正黑體" pitchFamily="34" charset="-120"/>
-                <a:ea typeface="微軟正黑體" pitchFamily="34" charset="-120"/>
-              </a:rPr>
-              <a:t>DNN</a:t>
-            </a:r>
-            <a:r>
-              <a:rPr lang="zh-TW" altLang="en-US" sz="3600" dirty="0" smtClean="0">
-                <a:latin typeface="微軟正黑體" pitchFamily="34" charset="-120"/>
-                <a:ea typeface="微軟正黑體" pitchFamily="34" charset="-120"/>
-              </a:rPr>
-              <a:t>換成</a:t>
-            </a:r>
-            <a:r>
-              <a:rPr lang="en-US" altLang="zh-TW" sz="3600" dirty="0" smtClean="0">
-                <a:latin typeface="微軟正黑體" pitchFamily="34" charset="-120"/>
-                <a:ea typeface="微軟正黑體" pitchFamily="34" charset="-120"/>
-              </a:rPr>
-              <a:t>CNN</a:t>
-            </a:r>
-          </a:p>
-          <a:p>
-            <a:pPr marL="742950" indent="-742950">
-              <a:buFont typeface="+mj-lt"/>
-              <a:buAutoNum type="arabicPeriod"/>
-            </a:pPr>
-            <a:r>
-              <a:rPr lang="zh-TW" altLang="en-US" sz="3600" dirty="0" smtClean="0">
-                <a:latin typeface="微軟正黑體" pitchFamily="34" charset="-120"/>
-                <a:ea typeface="微軟正黑體" pitchFamily="34" charset="-120"/>
-              </a:rPr>
-              <a:t>戴鏡男</a:t>
-            </a:r>
-            <a:r>
-              <a:rPr lang="en-US" altLang="zh-TW" sz="3600" dirty="0" smtClean="0">
-                <a:latin typeface="微軟正黑體" pitchFamily="34" charset="-120"/>
-                <a:ea typeface="微軟正黑體" pitchFamily="34" charset="-120"/>
-              </a:rPr>
-              <a:t>+</a:t>
-            </a:r>
-            <a:r>
-              <a:rPr lang="zh-TW" altLang="en-US" sz="3600" dirty="0" smtClean="0">
-                <a:latin typeface="微軟正黑體" pitchFamily="34" charset="-120"/>
-                <a:ea typeface="微軟正黑體" pitchFamily="34" charset="-120"/>
-              </a:rPr>
-              <a:t>不戴鏡男</a:t>
-            </a:r>
-            <a:r>
-              <a:rPr lang="en-US" altLang="zh-TW" sz="3600" dirty="0" smtClean="0">
-                <a:latin typeface="微軟正黑體" pitchFamily="34" charset="-120"/>
-                <a:ea typeface="微軟正黑體" pitchFamily="34" charset="-120"/>
-              </a:rPr>
-              <a:t>+</a:t>
-            </a:r>
-            <a:r>
-              <a:rPr lang="zh-TW" altLang="en-US" sz="3600" dirty="0" smtClean="0">
-                <a:latin typeface="微軟正黑體" pitchFamily="34" charset="-120"/>
-                <a:ea typeface="微軟正黑體" pitchFamily="34" charset="-120"/>
-              </a:rPr>
-              <a:t>不戴鏡女</a:t>
-            </a:r>
-            <a:r>
-              <a:rPr lang="en-US" altLang="zh-TW" sz="3600" dirty="0" smtClean="0">
-                <a:latin typeface="微軟正黑體" pitchFamily="34" charset="-120"/>
-                <a:ea typeface="微軟正黑體" pitchFamily="34" charset="-120"/>
-              </a:rPr>
-              <a:t>=</a:t>
-            </a:r>
-            <a:r>
-              <a:rPr lang="zh-TW" altLang="en-US" sz="3600" dirty="0" smtClean="0">
-                <a:latin typeface="微軟正黑體" pitchFamily="34" charset="-120"/>
-                <a:ea typeface="微軟正黑體" pitchFamily="34" charset="-120"/>
-              </a:rPr>
-              <a:t>戴鏡女</a:t>
-            </a:r>
-            <a:endParaRPr lang="en-US" altLang="zh-TW" sz="3600" dirty="0" smtClean="0">
-              <a:latin typeface="微軟正黑體" pitchFamily="34" charset="-120"/>
-              <a:ea typeface="微軟正黑體" pitchFamily="34" charset="-120"/>
-            </a:endParaRPr>
-          </a:p>
-          <a:p>
-            <a:pPr marL="742950" indent="-742950">
-              <a:buFont typeface="+mj-lt"/>
-              <a:buAutoNum type="arabicPeriod"/>
-            </a:pPr>
-            <a:r>
-              <a:rPr lang="zh-TW" altLang="en-US" sz="3600" dirty="0" smtClean="0">
-                <a:latin typeface="微軟正黑體" pitchFamily="34" charset="-120"/>
-                <a:ea typeface="微軟正黑體" pitchFamily="34" charset="-120"/>
-              </a:rPr>
-              <a:t>戴</a:t>
-            </a:r>
-            <a:r>
-              <a:rPr lang="zh-TW" altLang="en-US" sz="3600" dirty="0" smtClean="0">
-                <a:latin typeface="微軟正黑體" pitchFamily="34" charset="-120"/>
-                <a:ea typeface="微軟正黑體" pitchFamily="34" charset="-120"/>
-              </a:rPr>
-              <a:t>鏡</a:t>
-            </a:r>
-            <a:r>
-              <a:rPr lang="zh-TW" altLang="en-US" sz="3600" dirty="0" smtClean="0">
-                <a:latin typeface="微軟正黑體" pitchFamily="34" charset="-120"/>
-                <a:ea typeface="微軟正黑體" pitchFamily="34" charset="-120"/>
-              </a:rPr>
-              <a:t>男</a:t>
-            </a:r>
-            <a:r>
-              <a:rPr lang="en-US" altLang="zh-TW" sz="3600" dirty="0" smtClean="0">
-                <a:latin typeface="微軟正黑體" pitchFamily="34" charset="-120"/>
-                <a:ea typeface="微軟正黑體" pitchFamily="34" charset="-120"/>
-              </a:rPr>
-              <a:t>+</a:t>
-            </a:r>
-            <a:r>
-              <a:rPr lang="zh-TW" altLang="en-US" sz="3600" dirty="0" smtClean="0">
-                <a:latin typeface="微軟正黑體" pitchFamily="34" charset="-120"/>
-                <a:ea typeface="微軟正黑體" pitchFamily="34" charset="-120"/>
-              </a:rPr>
-              <a:t>不戴</a:t>
-            </a:r>
-            <a:r>
-              <a:rPr lang="zh-TW" altLang="en-US" sz="3600" dirty="0" smtClean="0">
-                <a:latin typeface="微軟正黑體" pitchFamily="34" charset="-120"/>
-                <a:ea typeface="微軟正黑體" pitchFamily="34" charset="-120"/>
-              </a:rPr>
-              <a:t>鏡</a:t>
-            </a:r>
-            <a:r>
-              <a:rPr lang="zh-TW" altLang="en-US" sz="3600" dirty="0" smtClean="0">
-                <a:latin typeface="微軟正黑體" pitchFamily="34" charset="-120"/>
-                <a:ea typeface="微軟正黑體" pitchFamily="34" charset="-120"/>
-              </a:rPr>
-              <a:t>男</a:t>
-            </a:r>
-            <a:r>
-              <a:rPr lang="en-US" altLang="zh-TW" sz="3600" dirty="0" smtClean="0">
-                <a:latin typeface="微軟正黑體" pitchFamily="34" charset="-120"/>
-                <a:ea typeface="微軟正黑體" pitchFamily="34" charset="-120"/>
-              </a:rPr>
-              <a:t>=</a:t>
-            </a:r>
-            <a:r>
-              <a:rPr lang="zh-TW" altLang="en-US" sz="3600" dirty="0" smtClean="0">
-                <a:latin typeface="微軟正黑體" pitchFamily="34" charset="-120"/>
-                <a:ea typeface="微軟正黑體" pitchFamily="34" charset="-120"/>
-              </a:rPr>
-              <a:t>鏡</a:t>
-            </a:r>
-            <a:endParaRPr lang="en-US" altLang="zh-TW" sz="3600" dirty="0" smtClean="0">
-              <a:latin typeface="微軟正黑體" pitchFamily="34" charset="-120"/>
-              <a:ea typeface="微軟正黑體" pitchFamily="34" charset="-120"/>
-            </a:endParaRPr>
-          </a:p>
-          <a:p>
-            <a:pPr marL="742950" indent="-742950">
-              <a:buFont typeface="+mj-lt"/>
-              <a:buAutoNum type="arabicPeriod"/>
-            </a:pPr>
-            <a:r>
-              <a:rPr lang="zh-TW" altLang="en-US" sz="3600" dirty="0" smtClean="0">
-                <a:latin typeface="微軟正黑體" pitchFamily="34" charset="-120"/>
-                <a:ea typeface="微軟正黑體" pitchFamily="34" charset="-120"/>
-              </a:rPr>
-              <a:t>鏡</a:t>
-            </a:r>
-            <a:r>
-              <a:rPr lang="en-US" altLang="zh-TW" sz="3600" dirty="0" smtClean="0">
-                <a:latin typeface="微軟正黑體" pitchFamily="34" charset="-120"/>
-                <a:ea typeface="微軟正黑體" pitchFamily="34" charset="-120"/>
-              </a:rPr>
-              <a:t>+</a:t>
-            </a:r>
-            <a:r>
-              <a:rPr lang="zh-TW" altLang="en-US" sz="3600" dirty="0" smtClean="0">
-                <a:latin typeface="微軟正黑體" pitchFamily="34" charset="-120"/>
-                <a:ea typeface="微軟正黑體" pitchFamily="34" charset="-120"/>
-              </a:rPr>
-              <a:t>不戴鏡女 </a:t>
-            </a:r>
-            <a:r>
-              <a:rPr lang="en-US" altLang="zh-TW" sz="3600" dirty="0" smtClean="0">
-                <a:latin typeface="微軟正黑體" pitchFamily="34" charset="-120"/>
-                <a:ea typeface="微軟正黑體" pitchFamily="34" charset="-120"/>
-              </a:rPr>
-              <a:t>= </a:t>
-            </a:r>
-            <a:r>
-              <a:rPr lang="zh-TW" altLang="en-US" sz="3600" dirty="0" smtClean="0">
-                <a:latin typeface="微軟正黑體" pitchFamily="34" charset="-120"/>
-                <a:ea typeface="微軟正黑體" pitchFamily="34" charset="-120"/>
-              </a:rPr>
-              <a:t>戴鏡女</a:t>
-            </a:r>
-            <a:endParaRPr lang="en-US" altLang="zh-TW" sz="3600" dirty="0">
-              <a:latin typeface="微軟正黑體" pitchFamily="34" charset="-120"/>
-              <a:ea typeface="微軟正黑體" pitchFamily="34" charset="-120"/>
-            </a:endParaRPr>
-          </a:p>
-        </p:txBody>
-      </p:sp>
-      <p:sp>
-        <p:nvSpPr>
           <p:cNvPr id="4" name="文字版面配置區 2"/>
           <p:cNvSpPr txBox="1">
             <a:spLocks/>
@@ -14498,7 +14900,10 @@
               <a:defRPr/>
             </a:pPr>
             <a:r>
-              <a:rPr lang="en-US" altLang="zh-TW" sz="4800" b="1" kern="0" dirty="0" smtClean="0">
+              <a:rPr kumimoji="0" lang="zh-TW" altLang="en-US" sz="4800" b="1" i="0" u="none" strike="noStrike" kern="0" cap="none" spc="0" normalizeH="0" baseline="0" noProof="0" dirty="0" smtClean="0">
+                <a:ln>
+                  <a:noFill/>
+                </a:ln>
                 <a:solidFill>
                   <a:srgbClr val="00B0F0"/>
                 </a:solidFill>
@@ -14509,27 +14914,13 @@
                     </a:srgbClr>
                   </a:outerShdw>
                 </a:effectLst>
+                <a:uLnTx/>
+                <a:uFillTx/>
                 <a:latin typeface="微軟正黑體" panose="020B0604030504040204" pitchFamily="34" charset="-120"/>
                 <a:ea typeface="微軟正黑體" panose="020B0604030504040204" pitchFamily="34" charset="-120"/>
-              </a:rPr>
-              <a:t>DCGAN</a:t>
-            </a:r>
-            <a:r>
-              <a:rPr lang="zh-TW" altLang="en-US" sz="4800" b="1" kern="0" dirty="0" smtClean="0">
-                <a:solidFill>
-                  <a:srgbClr val="00B0F0"/>
-                </a:solidFill>
-                <a:effectLst>
-                  <a:outerShdw blurRad="38100" dist="38100" dir="2700000" algn="tl">
-                    <a:srgbClr val="000000">
-                      <a:alpha val="43137"/>
-                    </a:srgbClr>
-                  </a:outerShdw>
-                </a:effectLst>
-                <a:latin typeface="微軟正黑體" panose="020B0604030504040204" pitchFamily="34" charset="-120"/>
-                <a:ea typeface="微軟正黑體" panose="020B0604030504040204" pitchFamily="34" charset="-120"/>
-              </a:rPr>
-              <a:t>的特色</a:t>
+                <a:cs typeface="+mn-cs"/>
+              </a:rPr>
+              <a:t>建立分辨器</a:t>
             </a:r>
             <a:endParaRPr kumimoji="0" lang="zh-TW" altLang="en-US" sz="4800" b="1" i="0" u="none" strike="noStrike" kern="0" cap="none" spc="0" normalizeH="0" baseline="0" noProof="0" dirty="0">
               <a:ln>
@@ -14554,6 +14945,38 @@
           </a:p>
         </p:txBody>
       </p:sp>
+      <p:pic>
+        <p:nvPicPr>
+          <p:cNvPr id="1026" name="Picture 2"/>
+          <p:cNvPicPr>
+            <a:picLocks noChangeAspect="1" noChangeArrowheads="1"/>
+          </p:cNvPicPr>
+          <p:nvPr/>
+        </p:nvPicPr>
+        <p:blipFill>
+          <a:blip r:embed="rId3" cstate="print"/>
+          <a:srcRect/>
+          <a:stretch>
+            <a:fillRect/>
+          </a:stretch>
+        </p:blipFill>
+        <p:spPr bwMode="auto">
+          <a:xfrm>
+            <a:off x="1600200" y="1676400"/>
+            <a:ext cx="6324600" cy="4942025"/>
+          </a:xfrm>
+          <a:prstGeom prst="rect">
+            <a:avLst/>
+          </a:prstGeom>
+          <a:noFill/>
+          <a:ln w="9525">
+            <a:noFill/>
+            <a:miter lim="800000"/>
+            <a:headEnd/>
+            <a:tailEnd/>
+          </a:ln>
+        </p:spPr>
+      </p:pic>
     </p:spTree>
     <p:extLst>
       <p:ext uri="{BB962C8B-B14F-4D97-AF65-F5344CB8AC3E}">
@@ -14578,6 +15001,1018 @@
 </file>
 
 <file path=ppt/slides/slide21.xml><?xml version="1.0" encoding="utf-8"?>
+<p:sld xmlns:a="http://schemas.openxmlformats.org/drawingml/2006/main" xmlns:r="http://schemas.openxmlformats.org/officeDocument/2006/relationships" xmlns:p="http://schemas.openxmlformats.org/presentationml/2006/main">
+  <p:cSld>
+    <p:spTree>
+      <p:nvGrpSpPr>
+        <p:cNvPr id="1" name=""/>
+        <p:cNvGrpSpPr/>
+        <p:nvPr/>
+      </p:nvGrpSpPr>
+      <p:grpSpPr>
+        <a:xfrm>
+          <a:off x="0" y="0"/>
+          <a:ext cx="0" cy="0"/>
+          <a:chOff x="0" y="0"/>
+          <a:chExt cx="0" cy="0"/>
+        </a:xfrm>
+      </p:grpSpPr>
+      <p:sp>
+        <p:nvSpPr>
+          <p:cNvPr id="4" name="文字版面配置區 2"/>
+          <p:cNvSpPr txBox="1">
+            <a:spLocks/>
+          </p:cNvSpPr>
+          <p:nvPr/>
+        </p:nvSpPr>
+        <p:spPr>
+          <a:xfrm>
+            <a:off x="1143000" y="304800"/>
+            <a:ext cx="7315200" cy="990600"/>
+          </a:xfrm>
+          <a:prstGeom prst="rect">
+            <a:avLst/>
+          </a:prstGeom>
+        </p:spPr>
+        <p:txBody>
+          <a:bodyPr tIns="91440" bIns="91440" anchor="b" anchorCtr="0">
+            <a:noAutofit/>
+          </a:bodyPr>
+          <a:lstStyle/>
+          <a:p>
+            <a:pPr algn="ctr">
+              <a:spcBef>
+                <a:spcPct val="20000"/>
+              </a:spcBef>
+              <a:defRPr/>
+            </a:pPr>
+            <a:r>
+              <a:rPr kumimoji="0" lang="zh-TW" altLang="en-US" sz="4800" b="1" i="0" u="none" strike="noStrike" kern="0" cap="none" spc="0" normalizeH="0" baseline="0" noProof="0" dirty="0" smtClean="0">
+                <a:ln>
+                  <a:noFill/>
+                </a:ln>
+                <a:solidFill>
+                  <a:srgbClr val="00B0F0"/>
+                </a:solidFill>
+                <a:effectLst>
+                  <a:outerShdw blurRad="38100" dist="38100" dir="2700000" algn="tl">
+                    <a:srgbClr val="000000">
+                      <a:alpha val="43137"/>
+                    </a:srgbClr>
+                  </a:outerShdw>
+                </a:effectLst>
+                <a:uLnTx/>
+                <a:uFillTx/>
+                <a:latin typeface="微軟正黑體" panose="020B0604030504040204" pitchFamily="34" charset="-120"/>
+                <a:ea typeface="微軟正黑體" panose="020B0604030504040204" pitchFamily="34" charset="-120"/>
+                <a:cs typeface="+mn-cs"/>
+              </a:rPr>
+              <a:t>建立產生器</a:t>
+            </a:r>
+            <a:endParaRPr kumimoji="0" lang="zh-TW" altLang="en-US" sz="4800" b="1" i="0" u="none" strike="noStrike" kern="0" cap="none" spc="0" normalizeH="0" baseline="0" noProof="0" dirty="0">
+              <a:ln>
+                <a:noFill/>
+              </a:ln>
+              <a:solidFill>
+                <a:srgbClr val="00B0F0"/>
+              </a:solidFill>
+              <a:effectLst>
+                <a:outerShdw blurRad="38100" dist="38100" dir="2700000" algn="tl">
+                  <a:srgbClr val="000000">
+                    <a:alpha val="43137"/>
+                  </a:srgbClr>
+                </a:outerShdw>
+              </a:effectLst>
+              <a:uLnTx/>
+              <a:uFillTx/>
+              <a:latin typeface="微軟正黑體" panose="020B0604030504040204" pitchFamily="34" charset="-120"/>
+              <a:ea typeface="微軟正黑體" panose="020B0604030504040204" pitchFamily="34" charset="-120"/>
+              <a:cs typeface="+mn-cs"/>
+            </a:endParaRPr>
+          </a:p>
+        </p:txBody>
+      </p:sp>
+      <p:pic>
+        <p:nvPicPr>
+          <p:cNvPr id="2050" name="Picture 2"/>
+          <p:cNvPicPr>
+            <a:picLocks noChangeAspect="1" noChangeArrowheads="1"/>
+          </p:cNvPicPr>
+          <p:nvPr/>
+        </p:nvPicPr>
+        <p:blipFill>
+          <a:blip r:embed="rId3" cstate="print"/>
+          <a:srcRect/>
+          <a:stretch>
+            <a:fillRect/>
+          </a:stretch>
+        </p:blipFill>
+        <p:spPr bwMode="auto">
+          <a:xfrm>
+            <a:off x="2057400" y="1425838"/>
+            <a:ext cx="5181600" cy="5432162"/>
+          </a:xfrm>
+          <a:prstGeom prst="rect">
+            <a:avLst/>
+          </a:prstGeom>
+          <a:noFill/>
+          <a:ln w="9525">
+            <a:noFill/>
+            <a:miter lim="800000"/>
+            <a:headEnd/>
+            <a:tailEnd/>
+          </a:ln>
+        </p:spPr>
+      </p:pic>
+      <p:sp>
+        <p:nvSpPr>
+          <p:cNvPr id="5" name="橢圓 4"/>
+          <p:cNvSpPr/>
+          <p:nvPr/>
+        </p:nvSpPr>
+        <p:spPr>
+          <a:xfrm>
+            <a:off x="3962400" y="2133600"/>
+            <a:ext cx="1447800" cy="533400"/>
+          </a:xfrm>
+          <a:prstGeom prst="ellipse">
+            <a:avLst/>
+          </a:prstGeom>
+          <a:noFill/>
+          <a:ln>
+            <a:solidFill>
+              <a:srgbClr val="FF3300"/>
+            </a:solidFill>
+          </a:ln>
+        </p:spPr>
+        <p:style>
+          <a:lnRef idx="2">
+            <a:schemeClr val="accent1">
+              <a:shade val="50000"/>
+            </a:schemeClr>
+          </a:lnRef>
+          <a:fillRef idx="1">
+            <a:schemeClr val="accent1"/>
+          </a:fillRef>
+          <a:effectRef idx="0">
+            <a:schemeClr val="accent1"/>
+          </a:effectRef>
+          <a:fontRef idx="minor">
+            <a:schemeClr val="lt1"/>
+          </a:fontRef>
+        </p:style>
+        <p:txBody>
+          <a:bodyPr rtlCol="0" anchor="ctr"/>
+          <a:lstStyle/>
+          <a:p>
+            <a:pPr algn="ctr"/>
+            <a:endParaRPr lang="zh-TW" altLang="en-US"/>
+          </a:p>
+        </p:txBody>
+      </p:sp>
+    </p:spTree>
+    <p:extLst>
+      <p:ext uri="{BB962C8B-B14F-4D97-AF65-F5344CB8AC3E}">
+        <p14:creationId xmlns:p14="http://schemas.microsoft.com/office/powerpoint/2010/main" xmlns="" val="522405798"/>
+      </p:ext>
+    </p:extLst>
+  </p:cSld>
+  <p:clrMapOvr>
+    <a:masterClrMapping/>
+  </p:clrMapOvr>
+  <p:transition>
+    <p:fade/>
+  </p:transition>
+  <p:timing>
+    <p:tnLst>
+      <p:par>
+        <p:cTn id="1" dur="indefinite" restart="never" nodeType="tmRoot"/>
+      </p:par>
+    </p:tnLst>
+  </p:timing>
+</p:sld>
+</file>
+
+<file path=ppt/slides/slide22.xml><?xml version="1.0" encoding="utf-8"?>
+<p:sld xmlns:a="http://schemas.openxmlformats.org/drawingml/2006/main" xmlns:r="http://schemas.openxmlformats.org/officeDocument/2006/relationships" xmlns:p="http://schemas.openxmlformats.org/presentationml/2006/main">
+  <p:cSld>
+    <p:spTree>
+      <p:nvGrpSpPr>
+        <p:cNvPr id="1" name=""/>
+        <p:cNvGrpSpPr/>
+        <p:nvPr/>
+      </p:nvGrpSpPr>
+      <p:grpSpPr>
+        <a:xfrm>
+          <a:off x="0" y="0"/>
+          <a:ext cx="0" cy="0"/>
+          <a:chOff x="0" y="0"/>
+          <a:chExt cx="0" cy="0"/>
+        </a:xfrm>
+      </p:grpSpPr>
+      <p:sp>
+        <p:nvSpPr>
+          <p:cNvPr id="4" name="文字版面配置區 2"/>
+          <p:cNvSpPr txBox="1">
+            <a:spLocks/>
+          </p:cNvSpPr>
+          <p:nvPr/>
+        </p:nvSpPr>
+        <p:spPr>
+          <a:xfrm>
+            <a:off x="1143000" y="304800"/>
+            <a:ext cx="7315200" cy="990600"/>
+          </a:xfrm>
+          <a:prstGeom prst="rect">
+            <a:avLst/>
+          </a:prstGeom>
+        </p:spPr>
+        <p:txBody>
+          <a:bodyPr tIns="91440" bIns="91440" anchor="b" anchorCtr="0">
+            <a:noAutofit/>
+          </a:bodyPr>
+          <a:lstStyle/>
+          <a:p>
+            <a:pPr algn="ctr">
+              <a:spcBef>
+                <a:spcPct val="20000"/>
+              </a:spcBef>
+              <a:defRPr/>
+            </a:pPr>
+            <a:r>
+              <a:rPr kumimoji="0" lang="zh-TW" altLang="en-US" sz="4800" b="1" i="0" u="none" strike="noStrike" kern="0" cap="none" spc="0" normalizeH="0" baseline="0" noProof="0" dirty="0" smtClean="0">
+                <a:ln>
+                  <a:noFill/>
+                </a:ln>
+                <a:solidFill>
+                  <a:srgbClr val="00B0F0"/>
+                </a:solidFill>
+                <a:effectLst>
+                  <a:outerShdw blurRad="38100" dist="38100" dir="2700000" algn="tl">
+                    <a:srgbClr val="000000">
+                      <a:alpha val="43137"/>
+                    </a:srgbClr>
+                  </a:outerShdw>
+                </a:effectLst>
+                <a:uLnTx/>
+                <a:uFillTx/>
+                <a:latin typeface="微軟正黑體" panose="020B0604030504040204" pitchFamily="34" charset="-120"/>
+                <a:ea typeface="微軟正黑體" panose="020B0604030504040204" pitchFamily="34" charset="-120"/>
+                <a:cs typeface="+mn-cs"/>
+              </a:rPr>
+              <a:t>訓練分辨器</a:t>
+            </a:r>
+            <a:endParaRPr kumimoji="0" lang="zh-TW" altLang="en-US" sz="4800" b="1" i="0" u="none" strike="noStrike" kern="0" cap="none" spc="0" normalizeH="0" baseline="0" noProof="0" dirty="0">
+              <a:ln>
+                <a:noFill/>
+              </a:ln>
+              <a:solidFill>
+                <a:srgbClr val="00B0F0"/>
+              </a:solidFill>
+              <a:effectLst>
+                <a:outerShdw blurRad="38100" dist="38100" dir="2700000" algn="tl">
+                  <a:srgbClr val="000000">
+                    <a:alpha val="43137"/>
+                  </a:srgbClr>
+                </a:outerShdw>
+              </a:effectLst>
+              <a:uLnTx/>
+              <a:uFillTx/>
+              <a:latin typeface="微軟正黑體" panose="020B0604030504040204" pitchFamily="34" charset="-120"/>
+              <a:ea typeface="微軟正黑體" panose="020B0604030504040204" pitchFamily="34" charset="-120"/>
+              <a:cs typeface="+mn-cs"/>
+            </a:endParaRPr>
+          </a:p>
+        </p:txBody>
+      </p:sp>
+      <p:pic>
+        <p:nvPicPr>
+          <p:cNvPr id="3074" name="Picture 2"/>
+          <p:cNvPicPr>
+            <a:picLocks noChangeAspect="1" noChangeArrowheads="1"/>
+          </p:cNvPicPr>
+          <p:nvPr/>
+        </p:nvPicPr>
+        <p:blipFill>
+          <a:blip r:embed="rId3" cstate="print"/>
+          <a:srcRect/>
+          <a:stretch>
+            <a:fillRect/>
+          </a:stretch>
+        </p:blipFill>
+        <p:spPr bwMode="auto">
+          <a:xfrm>
+            <a:off x="685800" y="1600200"/>
+            <a:ext cx="7685342" cy="4648200"/>
+          </a:xfrm>
+          <a:prstGeom prst="rect">
+            <a:avLst/>
+          </a:prstGeom>
+          <a:noFill/>
+          <a:ln w="9525">
+            <a:noFill/>
+            <a:miter lim="800000"/>
+            <a:headEnd/>
+            <a:tailEnd/>
+          </a:ln>
+        </p:spPr>
+      </p:pic>
+    </p:spTree>
+    <p:extLst>
+      <p:ext uri="{BB962C8B-B14F-4D97-AF65-F5344CB8AC3E}">
+        <p14:creationId xmlns:p14="http://schemas.microsoft.com/office/powerpoint/2010/main" xmlns="" val="522405798"/>
+      </p:ext>
+    </p:extLst>
+  </p:cSld>
+  <p:clrMapOvr>
+    <a:masterClrMapping/>
+  </p:clrMapOvr>
+  <p:transition>
+    <p:fade/>
+  </p:transition>
+  <p:timing>
+    <p:tnLst>
+      <p:par>
+        <p:cTn id="1" dur="indefinite" restart="never" nodeType="tmRoot"/>
+      </p:par>
+    </p:tnLst>
+  </p:timing>
+</p:sld>
+</file>
+
+<file path=ppt/slides/slide23.xml><?xml version="1.0" encoding="utf-8"?>
+<p:sld xmlns:a="http://schemas.openxmlformats.org/drawingml/2006/main" xmlns:r="http://schemas.openxmlformats.org/officeDocument/2006/relationships" xmlns:p="http://schemas.openxmlformats.org/presentationml/2006/main">
+  <p:cSld>
+    <p:spTree>
+      <p:nvGrpSpPr>
+        <p:cNvPr id="1" name=""/>
+        <p:cNvGrpSpPr/>
+        <p:nvPr/>
+      </p:nvGrpSpPr>
+      <p:grpSpPr>
+        <a:xfrm>
+          <a:off x="0" y="0"/>
+          <a:ext cx="0" cy="0"/>
+          <a:chOff x="0" y="0"/>
+          <a:chExt cx="0" cy="0"/>
+        </a:xfrm>
+      </p:grpSpPr>
+      <p:sp>
+        <p:nvSpPr>
+          <p:cNvPr id="4" name="文字版面配置區 2"/>
+          <p:cNvSpPr txBox="1">
+            <a:spLocks/>
+          </p:cNvSpPr>
+          <p:nvPr/>
+        </p:nvSpPr>
+        <p:spPr>
+          <a:xfrm>
+            <a:off x="1143000" y="304800"/>
+            <a:ext cx="7315200" cy="990600"/>
+          </a:xfrm>
+          <a:prstGeom prst="rect">
+            <a:avLst/>
+          </a:prstGeom>
+        </p:spPr>
+        <p:txBody>
+          <a:bodyPr tIns="91440" bIns="91440" anchor="b" anchorCtr="0">
+            <a:noAutofit/>
+          </a:bodyPr>
+          <a:lstStyle/>
+          <a:p>
+            <a:pPr algn="ctr">
+              <a:spcBef>
+                <a:spcPct val="20000"/>
+              </a:spcBef>
+              <a:defRPr/>
+            </a:pPr>
+            <a:r>
+              <a:rPr kumimoji="0" lang="zh-TW" altLang="en-US" sz="4800" b="1" i="0" u="none" strike="noStrike" kern="0" cap="none" spc="0" normalizeH="0" baseline="0" noProof="0" dirty="0" smtClean="0">
+                <a:ln>
+                  <a:noFill/>
+                </a:ln>
+                <a:solidFill>
+                  <a:srgbClr val="00B0F0"/>
+                </a:solidFill>
+                <a:effectLst>
+                  <a:outerShdw blurRad="38100" dist="38100" dir="2700000" algn="tl">
+                    <a:srgbClr val="000000">
+                      <a:alpha val="43137"/>
+                    </a:srgbClr>
+                  </a:outerShdw>
+                </a:effectLst>
+                <a:uLnTx/>
+                <a:uFillTx/>
+                <a:latin typeface="微軟正黑體" panose="020B0604030504040204" pitchFamily="34" charset="-120"/>
+                <a:ea typeface="微軟正黑體" panose="020B0604030504040204" pitchFamily="34" charset="-120"/>
+                <a:cs typeface="+mn-cs"/>
+              </a:rPr>
+              <a:t>設定多久訓練一次產生器</a:t>
+            </a:r>
+            <a:endParaRPr kumimoji="0" lang="zh-TW" altLang="en-US" sz="4800" b="1" i="0" u="none" strike="noStrike" kern="0" cap="none" spc="0" normalizeH="0" baseline="0" noProof="0" dirty="0">
+              <a:ln>
+                <a:noFill/>
+              </a:ln>
+              <a:solidFill>
+                <a:srgbClr val="00B0F0"/>
+              </a:solidFill>
+              <a:effectLst>
+                <a:outerShdw blurRad="38100" dist="38100" dir="2700000" algn="tl">
+                  <a:srgbClr val="000000">
+                    <a:alpha val="43137"/>
+                  </a:srgbClr>
+                </a:outerShdw>
+              </a:effectLst>
+              <a:uLnTx/>
+              <a:uFillTx/>
+              <a:latin typeface="微軟正黑體" panose="020B0604030504040204" pitchFamily="34" charset="-120"/>
+              <a:ea typeface="微軟正黑體" panose="020B0604030504040204" pitchFamily="34" charset="-120"/>
+              <a:cs typeface="+mn-cs"/>
+            </a:endParaRPr>
+          </a:p>
+        </p:txBody>
+      </p:sp>
+      <p:pic>
+        <p:nvPicPr>
+          <p:cNvPr id="4098" name="Picture 2"/>
+          <p:cNvPicPr>
+            <a:picLocks noChangeAspect="1" noChangeArrowheads="1"/>
+          </p:cNvPicPr>
+          <p:nvPr/>
+        </p:nvPicPr>
+        <p:blipFill>
+          <a:blip r:embed="rId3" cstate="print"/>
+          <a:srcRect/>
+          <a:stretch>
+            <a:fillRect/>
+          </a:stretch>
+        </p:blipFill>
+        <p:spPr bwMode="auto">
+          <a:xfrm>
+            <a:off x="838200" y="2438400"/>
+            <a:ext cx="7948603" cy="3124200"/>
+          </a:xfrm>
+          <a:prstGeom prst="rect">
+            <a:avLst/>
+          </a:prstGeom>
+          <a:noFill/>
+          <a:ln w="9525">
+            <a:noFill/>
+            <a:miter lim="800000"/>
+            <a:headEnd/>
+            <a:tailEnd/>
+          </a:ln>
+        </p:spPr>
+      </p:pic>
+      <p:sp>
+        <p:nvSpPr>
+          <p:cNvPr id="7" name="橢圓 6"/>
+          <p:cNvSpPr/>
+          <p:nvPr/>
+        </p:nvSpPr>
+        <p:spPr>
+          <a:xfrm>
+            <a:off x="5486400" y="3733800"/>
+            <a:ext cx="1447800" cy="533400"/>
+          </a:xfrm>
+          <a:prstGeom prst="ellipse">
+            <a:avLst/>
+          </a:prstGeom>
+          <a:noFill/>
+          <a:ln>
+            <a:solidFill>
+              <a:srgbClr val="FF3300"/>
+            </a:solidFill>
+          </a:ln>
+        </p:spPr>
+        <p:style>
+          <a:lnRef idx="2">
+            <a:schemeClr val="accent1">
+              <a:shade val="50000"/>
+            </a:schemeClr>
+          </a:lnRef>
+          <a:fillRef idx="1">
+            <a:schemeClr val="accent1"/>
+          </a:fillRef>
+          <a:effectRef idx="0">
+            <a:schemeClr val="accent1"/>
+          </a:effectRef>
+          <a:fontRef idx="minor">
+            <a:schemeClr val="lt1"/>
+          </a:fontRef>
+        </p:style>
+        <p:txBody>
+          <a:bodyPr rtlCol="0" anchor="ctr"/>
+          <a:lstStyle/>
+          <a:p>
+            <a:pPr algn="ctr"/>
+            <a:endParaRPr lang="zh-TW" altLang="en-US"/>
+          </a:p>
+        </p:txBody>
+      </p:sp>
+    </p:spTree>
+    <p:extLst>
+      <p:ext uri="{BB962C8B-B14F-4D97-AF65-F5344CB8AC3E}">
+        <p14:creationId xmlns:p14="http://schemas.microsoft.com/office/powerpoint/2010/main" xmlns="" val="522405798"/>
+      </p:ext>
+    </p:extLst>
+  </p:cSld>
+  <p:clrMapOvr>
+    <a:masterClrMapping/>
+  </p:clrMapOvr>
+  <p:transition>
+    <p:fade/>
+  </p:transition>
+  <p:timing>
+    <p:tnLst>
+      <p:par>
+        <p:cTn id="1" dur="indefinite" restart="never" nodeType="tmRoot"/>
+      </p:par>
+    </p:tnLst>
+  </p:timing>
+</p:sld>
+</file>
+
+<file path=ppt/slides/slide24.xml><?xml version="1.0" encoding="utf-8"?>
+<p:sld xmlns:a="http://schemas.openxmlformats.org/drawingml/2006/main" xmlns:r="http://schemas.openxmlformats.org/officeDocument/2006/relationships" xmlns:p="http://schemas.openxmlformats.org/presentationml/2006/main">
+  <p:cSld>
+    <p:spTree>
+      <p:nvGrpSpPr>
+        <p:cNvPr id="1" name=""/>
+        <p:cNvGrpSpPr/>
+        <p:nvPr/>
+      </p:nvGrpSpPr>
+      <p:grpSpPr>
+        <a:xfrm>
+          <a:off x="0" y="0"/>
+          <a:ext cx="0" cy="0"/>
+          <a:chOff x="0" y="0"/>
+          <a:chExt cx="0" cy="0"/>
+        </a:xfrm>
+      </p:grpSpPr>
+      <p:sp>
+        <p:nvSpPr>
+          <p:cNvPr id="4" name="文字方塊 3"/>
+          <p:cNvSpPr txBox="1"/>
+          <p:nvPr/>
+        </p:nvSpPr>
+        <p:spPr>
+          <a:xfrm>
+            <a:off x="838200" y="2895600"/>
+            <a:ext cx="7772400" cy="1015663"/>
+          </a:xfrm>
+          <a:prstGeom prst="rect">
+            <a:avLst/>
+          </a:prstGeom>
+          <a:noFill/>
+        </p:spPr>
+        <p:txBody>
+          <a:bodyPr wrap="square" rtlCol="0">
+            <a:spAutoFit/>
+          </a:bodyPr>
+          <a:lstStyle/>
+          <a:p>
+            <a:pPr algn="ctr"/>
+            <a:r>
+              <a:rPr lang="en-US" altLang="zh-TW" sz="6000" b="1" dirty="0" smtClean="0">
+                <a:latin typeface="微軟正黑體" pitchFamily="34" charset="-120"/>
+                <a:ea typeface="微軟正黑體" pitchFamily="34" charset="-120"/>
+              </a:rPr>
+              <a:t>DCGAN</a:t>
+            </a:r>
+            <a:r>
+              <a:rPr lang="zh-TW" altLang="en-US" sz="6000" b="1" dirty="0" smtClean="0">
+                <a:latin typeface="微軟正黑體" pitchFamily="34" charset="-120"/>
+                <a:ea typeface="微軟正黑體" pitchFamily="34" charset="-120"/>
+              </a:rPr>
+              <a:t>的介紹</a:t>
+            </a:r>
+            <a:endParaRPr kumimoji="1" lang="en-US" altLang="zh-TW" sz="6000" b="1" dirty="0">
+              <a:effectLst>
+                <a:outerShdw blurRad="38100" dist="38100" dir="2700000" algn="tl">
+                  <a:srgbClr val="000000">
+                    <a:alpha val="43137"/>
+                  </a:srgbClr>
+                </a:outerShdw>
+              </a:effectLst>
+              <a:latin typeface="微軟正黑體" pitchFamily="34" charset="-120"/>
+              <a:ea typeface="微軟正黑體" pitchFamily="34" charset="-120"/>
+              <a:cs typeface="Arial"/>
+            </a:endParaRPr>
+          </a:p>
+        </p:txBody>
+      </p:sp>
+    </p:spTree>
+    <p:extLst>
+      <p:ext uri="{BB962C8B-B14F-4D97-AF65-F5344CB8AC3E}">
+        <p14:creationId xmlns:p14="http://schemas.microsoft.com/office/powerpoint/2010/main" xmlns="" val="2461702271"/>
+      </p:ext>
+    </p:extLst>
+  </p:cSld>
+  <p:clrMapOvr>
+    <a:masterClrMapping/>
+  </p:clrMapOvr>
+  <p:transition>
+    <p:fade/>
+  </p:transition>
+  <p:timing>
+    <p:tnLst>
+      <p:par>
+        <p:cTn id="1" dur="indefinite" restart="never" nodeType="tmRoot"/>
+      </p:par>
+    </p:tnLst>
+  </p:timing>
+</p:sld>
+</file>
+
+<file path=ppt/slides/slide25.xml><?xml version="1.0" encoding="utf-8"?>
+<p:sld xmlns:a="http://schemas.openxmlformats.org/drawingml/2006/main" xmlns:r="http://schemas.openxmlformats.org/officeDocument/2006/relationships" xmlns:p="http://schemas.openxmlformats.org/presentationml/2006/main">
+  <p:cSld>
+    <p:spTree>
+      <p:nvGrpSpPr>
+        <p:cNvPr id="1" name=""/>
+        <p:cNvGrpSpPr/>
+        <p:nvPr/>
+      </p:nvGrpSpPr>
+      <p:grpSpPr>
+        <a:xfrm>
+          <a:off x="0" y="0"/>
+          <a:ext cx="0" cy="0"/>
+          <a:chOff x="0" y="0"/>
+          <a:chExt cx="0" cy="0"/>
+        </a:xfrm>
+      </p:grpSpPr>
+      <p:sp>
+        <p:nvSpPr>
+          <p:cNvPr id="5" name="文字方塊 4"/>
+          <p:cNvSpPr txBox="1"/>
+          <p:nvPr/>
+        </p:nvSpPr>
+        <p:spPr>
+          <a:xfrm>
+            <a:off x="457200" y="2286000"/>
+            <a:ext cx="8382000" cy="2862322"/>
+          </a:xfrm>
+          <a:prstGeom prst="rect">
+            <a:avLst/>
+          </a:prstGeom>
+          <a:noFill/>
+        </p:spPr>
+        <p:txBody>
+          <a:bodyPr wrap="square" rtlCol="0">
+            <a:spAutoFit/>
+          </a:bodyPr>
+          <a:lstStyle/>
+          <a:p>
+            <a:pPr marL="742950" indent="-742950">
+              <a:buFont typeface="+mj-lt"/>
+              <a:buAutoNum type="arabicPeriod"/>
+            </a:pPr>
+            <a:r>
+              <a:rPr lang="en-US" altLang="zh-TW" sz="3600" dirty="0" smtClean="0">
+                <a:latin typeface="微軟正黑體" pitchFamily="34" charset="-120"/>
+                <a:ea typeface="微軟正黑體" pitchFamily="34" charset="-120"/>
+              </a:rPr>
+              <a:t>Deep </a:t>
+            </a:r>
+            <a:r>
+              <a:rPr lang="en-US" altLang="zh-TW" sz="3600" dirty="0" err="1" smtClean="0">
+                <a:latin typeface="微軟正黑體" pitchFamily="34" charset="-120"/>
+                <a:ea typeface="微軟正黑體" pitchFamily="34" charset="-120"/>
+              </a:rPr>
+              <a:t>Convolutional</a:t>
+            </a:r>
+            <a:r>
+              <a:rPr lang="en-US" altLang="zh-TW" sz="3600" dirty="0" smtClean="0">
+                <a:latin typeface="微軟正黑體" pitchFamily="34" charset="-120"/>
+                <a:ea typeface="微軟正黑體" pitchFamily="34" charset="-120"/>
+              </a:rPr>
+              <a:t> GAN</a:t>
+            </a:r>
+          </a:p>
+          <a:p>
+            <a:pPr marL="742950" indent="-742950">
+              <a:buFont typeface="+mj-lt"/>
+              <a:buAutoNum type="arabicPeriod"/>
+            </a:pPr>
+            <a:r>
+              <a:rPr lang="zh-TW" altLang="en-US" sz="3600" dirty="0" smtClean="0">
+                <a:latin typeface="微軟正黑體" pitchFamily="34" charset="-120"/>
+                <a:ea typeface="微軟正黑體" pitchFamily="34" charset="-120"/>
+              </a:rPr>
+              <a:t>將</a:t>
+            </a:r>
+            <a:r>
+              <a:rPr lang="en-US" altLang="zh-TW" sz="3600" dirty="0" smtClean="0">
+                <a:latin typeface="微軟正黑體" pitchFamily="34" charset="-120"/>
+                <a:ea typeface="微軟正黑體" pitchFamily="34" charset="-120"/>
+              </a:rPr>
+              <a:t>D</a:t>
+            </a:r>
+            <a:r>
+              <a:rPr lang="zh-TW" altLang="en-US" sz="3600" dirty="0" smtClean="0">
+                <a:latin typeface="微軟正黑體" pitchFamily="34" charset="-120"/>
+                <a:ea typeface="微軟正黑體" pitchFamily="34" charset="-120"/>
+              </a:rPr>
+              <a:t>和</a:t>
+            </a:r>
+            <a:r>
+              <a:rPr lang="en-US" altLang="zh-TW" sz="3600" dirty="0" smtClean="0">
+                <a:latin typeface="微軟正黑體" pitchFamily="34" charset="-120"/>
+                <a:ea typeface="微軟正黑體" pitchFamily="34" charset="-120"/>
+              </a:rPr>
+              <a:t>G</a:t>
+            </a:r>
+            <a:r>
+              <a:rPr lang="zh-TW" altLang="en-US" sz="3600" dirty="0" smtClean="0">
+                <a:latin typeface="微軟正黑體" pitchFamily="34" charset="-120"/>
+                <a:ea typeface="微軟正黑體" pitchFamily="34" charset="-120"/>
+              </a:rPr>
+              <a:t>從</a:t>
+            </a:r>
+            <a:r>
+              <a:rPr lang="en-US" altLang="zh-TW" sz="3600" dirty="0" smtClean="0">
+                <a:latin typeface="微軟正黑體" pitchFamily="34" charset="-120"/>
+                <a:ea typeface="微軟正黑體" pitchFamily="34" charset="-120"/>
+              </a:rPr>
+              <a:t>DNN</a:t>
+            </a:r>
+            <a:r>
+              <a:rPr lang="zh-TW" altLang="en-US" sz="3600" dirty="0" smtClean="0">
+                <a:latin typeface="微軟正黑體" pitchFamily="34" charset="-120"/>
+                <a:ea typeface="微軟正黑體" pitchFamily="34" charset="-120"/>
+              </a:rPr>
+              <a:t>換成</a:t>
+            </a:r>
+            <a:r>
+              <a:rPr lang="en-US" altLang="zh-TW" sz="3600" dirty="0" smtClean="0">
+                <a:latin typeface="微軟正黑體" pitchFamily="34" charset="-120"/>
+                <a:ea typeface="微軟正黑體" pitchFamily="34" charset="-120"/>
+              </a:rPr>
+              <a:t>CNN</a:t>
+            </a:r>
+          </a:p>
+          <a:p>
+            <a:pPr marL="742950" indent="-742950">
+              <a:buFont typeface="+mj-lt"/>
+              <a:buAutoNum type="arabicPeriod"/>
+            </a:pPr>
+            <a:r>
+              <a:rPr lang="zh-TW" altLang="en-US" sz="3600" dirty="0" smtClean="0">
+                <a:latin typeface="微軟正黑體" pitchFamily="34" charset="-120"/>
+                <a:ea typeface="微軟正黑體" pitchFamily="34" charset="-120"/>
+              </a:rPr>
+              <a:t>戴鏡男</a:t>
+            </a:r>
+            <a:r>
+              <a:rPr lang="en-US" altLang="zh-TW" sz="3600" dirty="0" smtClean="0">
+                <a:latin typeface="微軟正黑體" pitchFamily="34" charset="-120"/>
+                <a:ea typeface="微軟正黑體" pitchFamily="34" charset="-120"/>
+              </a:rPr>
+              <a:t>+</a:t>
+            </a:r>
+            <a:r>
+              <a:rPr lang="zh-TW" altLang="en-US" sz="3600" dirty="0" smtClean="0">
+                <a:latin typeface="微軟正黑體" pitchFamily="34" charset="-120"/>
+                <a:ea typeface="微軟正黑體" pitchFamily="34" charset="-120"/>
+              </a:rPr>
+              <a:t>不戴鏡男</a:t>
+            </a:r>
+            <a:r>
+              <a:rPr lang="en-US" altLang="zh-TW" sz="3600" dirty="0" smtClean="0">
+                <a:latin typeface="微軟正黑體" pitchFamily="34" charset="-120"/>
+                <a:ea typeface="微軟正黑體" pitchFamily="34" charset="-120"/>
+              </a:rPr>
+              <a:t>+</a:t>
+            </a:r>
+            <a:r>
+              <a:rPr lang="zh-TW" altLang="en-US" sz="3600" dirty="0" smtClean="0">
+                <a:latin typeface="微軟正黑體" pitchFamily="34" charset="-120"/>
+                <a:ea typeface="微軟正黑體" pitchFamily="34" charset="-120"/>
+              </a:rPr>
+              <a:t>不戴鏡女</a:t>
+            </a:r>
+            <a:r>
+              <a:rPr lang="en-US" altLang="zh-TW" sz="3600" dirty="0" smtClean="0">
+                <a:latin typeface="微軟正黑體" pitchFamily="34" charset="-120"/>
+                <a:ea typeface="微軟正黑體" pitchFamily="34" charset="-120"/>
+              </a:rPr>
+              <a:t>=</a:t>
+            </a:r>
+            <a:r>
+              <a:rPr lang="zh-TW" altLang="en-US" sz="3600" dirty="0" smtClean="0">
+                <a:latin typeface="微軟正黑體" pitchFamily="34" charset="-120"/>
+                <a:ea typeface="微軟正黑體" pitchFamily="34" charset="-120"/>
+              </a:rPr>
+              <a:t>戴鏡女</a:t>
+            </a:r>
+            <a:endParaRPr lang="en-US" altLang="zh-TW" sz="3600" dirty="0" smtClean="0">
+              <a:latin typeface="微軟正黑體" pitchFamily="34" charset="-120"/>
+              <a:ea typeface="微軟正黑體" pitchFamily="34" charset="-120"/>
+            </a:endParaRPr>
+          </a:p>
+          <a:p>
+            <a:pPr marL="742950" indent="-742950">
+              <a:buFont typeface="+mj-lt"/>
+              <a:buAutoNum type="arabicPeriod"/>
+            </a:pPr>
+            <a:r>
+              <a:rPr lang="zh-TW" altLang="en-US" sz="3600" dirty="0" smtClean="0">
+                <a:latin typeface="微軟正黑體" pitchFamily="34" charset="-120"/>
+                <a:ea typeface="微軟正黑體" pitchFamily="34" charset="-120"/>
+              </a:rPr>
+              <a:t>戴鏡男</a:t>
+            </a:r>
+            <a:r>
+              <a:rPr lang="en-US" altLang="zh-TW" sz="3600" dirty="0" smtClean="0">
+                <a:latin typeface="微軟正黑體" pitchFamily="34" charset="-120"/>
+                <a:ea typeface="微軟正黑體" pitchFamily="34" charset="-120"/>
+              </a:rPr>
+              <a:t>+</a:t>
+            </a:r>
+            <a:r>
+              <a:rPr lang="zh-TW" altLang="en-US" sz="3600" dirty="0" smtClean="0">
+                <a:latin typeface="微軟正黑體" pitchFamily="34" charset="-120"/>
+                <a:ea typeface="微軟正黑體" pitchFamily="34" charset="-120"/>
+              </a:rPr>
+              <a:t>不戴鏡男</a:t>
+            </a:r>
+            <a:r>
+              <a:rPr lang="en-US" altLang="zh-TW" sz="3600" dirty="0" smtClean="0">
+                <a:latin typeface="微軟正黑體" pitchFamily="34" charset="-120"/>
+                <a:ea typeface="微軟正黑體" pitchFamily="34" charset="-120"/>
+              </a:rPr>
+              <a:t>=</a:t>
+            </a:r>
+            <a:r>
+              <a:rPr lang="zh-TW" altLang="en-US" sz="3600" dirty="0" smtClean="0">
+                <a:latin typeface="微軟正黑體" pitchFamily="34" charset="-120"/>
+                <a:ea typeface="微軟正黑體" pitchFamily="34" charset="-120"/>
+              </a:rPr>
+              <a:t>鏡</a:t>
+            </a:r>
+            <a:endParaRPr lang="en-US" altLang="zh-TW" sz="3600" dirty="0" smtClean="0">
+              <a:latin typeface="微軟正黑體" pitchFamily="34" charset="-120"/>
+              <a:ea typeface="微軟正黑體" pitchFamily="34" charset="-120"/>
+            </a:endParaRPr>
+          </a:p>
+          <a:p>
+            <a:pPr marL="742950" indent="-742950">
+              <a:buFont typeface="+mj-lt"/>
+              <a:buAutoNum type="arabicPeriod"/>
+            </a:pPr>
+            <a:r>
+              <a:rPr lang="zh-TW" altLang="en-US" sz="3600" dirty="0" smtClean="0">
+                <a:latin typeface="微軟正黑體" pitchFamily="34" charset="-120"/>
+                <a:ea typeface="微軟正黑體" pitchFamily="34" charset="-120"/>
+              </a:rPr>
+              <a:t>鏡</a:t>
+            </a:r>
+            <a:r>
+              <a:rPr lang="en-US" altLang="zh-TW" sz="3600" dirty="0" smtClean="0">
+                <a:latin typeface="微軟正黑體" pitchFamily="34" charset="-120"/>
+                <a:ea typeface="微軟正黑體" pitchFamily="34" charset="-120"/>
+              </a:rPr>
+              <a:t>+</a:t>
+            </a:r>
+            <a:r>
+              <a:rPr lang="zh-TW" altLang="en-US" sz="3600" dirty="0" smtClean="0">
+                <a:latin typeface="微軟正黑體" pitchFamily="34" charset="-120"/>
+                <a:ea typeface="微軟正黑體" pitchFamily="34" charset="-120"/>
+              </a:rPr>
+              <a:t>不戴鏡女 </a:t>
+            </a:r>
+            <a:r>
+              <a:rPr lang="en-US" altLang="zh-TW" sz="3600" dirty="0" smtClean="0">
+                <a:latin typeface="微軟正黑體" pitchFamily="34" charset="-120"/>
+                <a:ea typeface="微軟正黑體" pitchFamily="34" charset="-120"/>
+              </a:rPr>
+              <a:t>= </a:t>
+            </a:r>
+            <a:r>
+              <a:rPr lang="zh-TW" altLang="en-US" sz="3600" dirty="0" smtClean="0">
+                <a:latin typeface="微軟正黑體" pitchFamily="34" charset="-120"/>
+                <a:ea typeface="微軟正黑體" pitchFamily="34" charset="-120"/>
+              </a:rPr>
+              <a:t>戴鏡女</a:t>
+            </a:r>
+            <a:endParaRPr lang="en-US" altLang="zh-TW" sz="3600" dirty="0">
+              <a:latin typeface="微軟正黑體" pitchFamily="34" charset="-120"/>
+              <a:ea typeface="微軟正黑體" pitchFamily="34" charset="-120"/>
+            </a:endParaRPr>
+          </a:p>
+        </p:txBody>
+      </p:sp>
+      <p:sp>
+        <p:nvSpPr>
+          <p:cNvPr id="4" name="文字版面配置區 2"/>
+          <p:cNvSpPr txBox="1">
+            <a:spLocks/>
+          </p:cNvSpPr>
+          <p:nvPr/>
+        </p:nvSpPr>
+        <p:spPr>
+          <a:xfrm>
+            <a:off x="1143000" y="304800"/>
+            <a:ext cx="7315200" cy="990600"/>
+          </a:xfrm>
+          <a:prstGeom prst="rect">
+            <a:avLst/>
+          </a:prstGeom>
+        </p:spPr>
+        <p:txBody>
+          <a:bodyPr tIns="91440" bIns="91440" anchor="b" anchorCtr="0">
+            <a:noAutofit/>
+          </a:bodyPr>
+          <a:lstStyle/>
+          <a:p>
+            <a:pPr algn="ctr">
+              <a:spcBef>
+                <a:spcPct val="20000"/>
+              </a:spcBef>
+              <a:defRPr/>
+            </a:pPr>
+            <a:r>
+              <a:rPr lang="en-US" altLang="zh-TW" sz="4800" b="1" kern="0" dirty="0" smtClean="0">
+                <a:solidFill>
+                  <a:srgbClr val="00B0F0"/>
+                </a:solidFill>
+                <a:effectLst>
+                  <a:outerShdw blurRad="38100" dist="38100" dir="2700000" algn="tl">
+                    <a:srgbClr val="000000">
+                      <a:alpha val="43137"/>
+                    </a:srgbClr>
+                  </a:outerShdw>
+                </a:effectLst>
+                <a:latin typeface="微軟正黑體" panose="020B0604030504040204" pitchFamily="34" charset="-120"/>
+                <a:ea typeface="微軟正黑體" panose="020B0604030504040204" pitchFamily="34" charset="-120"/>
+              </a:rPr>
+              <a:t>DCGAN</a:t>
+            </a:r>
+            <a:r>
+              <a:rPr lang="zh-TW" altLang="en-US" sz="4800" b="1" kern="0" dirty="0" smtClean="0">
+                <a:solidFill>
+                  <a:srgbClr val="00B0F0"/>
+                </a:solidFill>
+                <a:effectLst>
+                  <a:outerShdw blurRad="38100" dist="38100" dir="2700000" algn="tl">
+                    <a:srgbClr val="000000">
+                      <a:alpha val="43137"/>
+                    </a:srgbClr>
+                  </a:outerShdw>
+                </a:effectLst>
+                <a:latin typeface="微軟正黑體" panose="020B0604030504040204" pitchFamily="34" charset="-120"/>
+                <a:ea typeface="微軟正黑體" panose="020B0604030504040204" pitchFamily="34" charset="-120"/>
+              </a:rPr>
+              <a:t>的特色</a:t>
+            </a:r>
+            <a:endParaRPr kumimoji="0" lang="zh-TW" altLang="en-US" sz="4800" b="1" i="0" u="none" strike="noStrike" kern="0" cap="none" spc="0" normalizeH="0" baseline="0" noProof="0" dirty="0">
+              <a:ln>
+                <a:noFill/>
+              </a:ln>
+              <a:solidFill>
+                <a:srgbClr val="00B0F0"/>
+              </a:solidFill>
+              <a:effectLst>
+                <a:outerShdw blurRad="38100" dist="38100" dir="2700000" algn="tl">
+                  <a:srgbClr val="000000">
+                    <a:alpha val="43137"/>
+                  </a:srgbClr>
+                </a:outerShdw>
+              </a:effectLst>
+              <a:uLnTx/>
+              <a:uFillTx/>
+              <a:latin typeface="微軟正黑體" panose="020B0604030504040204" pitchFamily="34" charset="-120"/>
+              <a:ea typeface="微軟正黑體" panose="020B0604030504040204" pitchFamily="34" charset="-120"/>
+              <a:cs typeface="+mn-cs"/>
+            </a:endParaRPr>
+          </a:p>
+        </p:txBody>
+      </p:sp>
+    </p:spTree>
+    <p:extLst>
+      <p:ext uri="{BB962C8B-B14F-4D97-AF65-F5344CB8AC3E}">
+        <p14:creationId xmlns:p14="http://schemas.microsoft.com/office/powerpoint/2010/main" xmlns="" val="522405798"/>
+      </p:ext>
+    </p:extLst>
+  </p:cSld>
+  <p:clrMapOvr>
+    <a:masterClrMapping/>
+  </p:clrMapOvr>
+  <p:transition>
+    <p:fade/>
+  </p:transition>
+  <p:timing>
+    <p:tnLst>
+      <p:par>
+        <p:cTn id="1" dur="indefinite" restart="never" nodeType="tmRoot"/>
+      </p:par>
+    </p:tnLst>
+  </p:timing>
+</p:sld>
+</file>
+
+<file path=ppt/slides/slide26.xml><?xml version="1.0" encoding="utf-8"?>
 <p:sld xmlns:a="http://schemas.openxmlformats.org/drawingml/2006/main" xmlns:r="http://schemas.openxmlformats.org/officeDocument/2006/relationships" xmlns:p="http://schemas.openxmlformats.org/presentationml/2006/main">
   <p:cSld>
     <p:spTree>
@@ -14637,7 +16072,7 @@
 </p:sld>
 </file>
 
-<file path=ppt/slides/slide22.xml><?xml version="1.0" encoding="utf-8"?>
+<file path=ppt/slides/slide27.xml><?xml version="1.0" encoding="utf-8"?>
 <p:sld xmlns:a="http://schemas.openxmlformats.org/drawingml/2006/main" xmlns:r="http://schemas.openxmlformats.org/officeDocument/2006/relationships" xmlns:p="http://schemas.openxmlformats.org/presentationml/2006/main">
   <p:cSld>
     <p:spTree>
@@ -14883,7 +16318,7 @@
 </p:sld>
 </file>
 
-<file path=ppt/slides/slide23.xml><?xml version="1.0" encoding="utf-8"?>
+<file path=ppt/slides/slide28.xml><?xml version="1.0" encoding="utf-8"?>
 <p:sld xmlns:a="http://schemas.openxmlformats.org/drawingml/2006/main" xmlns:r="http://schemas.openxmlformats.org/officeDocument/2006/relationships" xmlns:p="http://schemas.openxmlformats.org/presentationml/2006/main">
   <p:cSld>
     <p:spTree>
@@ -15259,14 +16694,7 @@
                 <a:latin typeface="微軟正黑體" pitchFamily="34" charset="-120"/>
                 <a:ea typeface="微軟正黑體" pitchFamily="34" charset="-120"/>
               </a:rPr>
-              <a:t>及其變形是近十年最有趣的</a:t>
-            </a:r>
-            <a:r>
-              <a:rPr lang="zh-TW" altLang="en-US" sz="3600" i="1" dirty="0" smtClean="0">
-                <a:latin typeface="微軟正黑體" pitchFamily="34" charset="-120"/>
-                <a:ea typeface="微軟正黑體" pitchFamily="34" charset="-120"/>
-              </a:rPr>
-              <a:t>想法</a:t>
+              <a:t>及其變形是近十年最有趣的想法</a:t>
             </a:r>
             <a:endParaRPr lang="en-US" altLang="zh-TW" sz="3600" i="1" dirty="0" smtClean="0">
               <a:latin typeface="微軟正黑體" pitchFamily="34" charset="-120"/>
@@ -15286,21 +16714,7 @@
                 <a:latin typeface="微軟正黑體" pitchFamily="34" charset="-120"/>
                 <a:ea typeface="微軟正黑體" pitchFamily="34" charset="-120"/>
               </a:rPr>
-              <a:t>his</a:t>
-            </a:r>
-            <a:r>
-              <a:rPr lang="en-US" altLang="zh-TW" sz="3600" i="1" dirty="0" smtClean="0">
-                <a:latin typeface="微軟正黑體" pitchFamily="34" charset="-120"/>
-                <a:ea typeface="微軟正黑體" pitchFamily="34" charset="-120"/>
-              </a:rPr>
-              <a:t>, and the variations that are now being proposed is the most interesting idea in the last 10 years in ML, in my </a:t>
-            </a:r>
-            <a:r>
-              <a:rPr lang="en-US" altLang="zh-TW" sz="3600" i="1" dirty="0" smtClean="0">
-                <a:latin typeface="微軟正黑體" pitchFamily="34" charset="-120"/>
-                <a:ea typeface="微軟正黑體" pitchFamily="34" charset="-120"/>
-              </a:rPr>
-              <a:t>opinion)</a:t>
+              <a:t>his, and the variations that are now being proposed is the most interesting idea in the last 10 years in ML, in my opinion)</a:t>
             </a:r>
             <a:endParaRPr lang="zh-TW" altLang="en-US" sz="3600" b="1" i="1" dirty="0">
               <a:latin typeface="微軟正黑體" pitchFamily="34" charset="-120"/>
@@ -16112,6 +17526,19 @@
               </a:rPr>
               <a:t>1</a:t>
             </a:r>
+          </a:p>
+          <a:p>
+            <a:pPr marL="742950" indent="-742950">
+              <a:buFont typeface="+mj-lt"/>
+              <a:buAutoNum type="arabicPeriod"/>
+            </a:pPr>
+            <a:r>
+              <a:rPr lang="zh-TW" altLang="en-US" sz="3200" b="1" dirty="0" smtClean="0">
+                <a:latin typeface="微軟正黑體" pitchFamily="34" charset="-120"/>
+                <a:ea typeface="微軟正黑體" pitchFamily="34" charset="-120"/>
+              </a:rPr>
+              <a:t>分辨模型，用來分辨真偽</a:t>
+            </a:r>
             <a:endParaRPr lang="en-US" altLang="zh-TW" sz="3200" b="1" dirty="0" smtClean="0">
               <a:latin typeface="微軟正黑體" pitchFamily="34" charset="-120"/>
               <a:ea typeface="微軟正黑體" pitchFamily="34" charset="-120"/>
@@ -16127,7 +17554,7 @@
                 <a:latin typeface="微軟正黑體" pitchFamily="34" charset="-120"/>
                 <a:ea typeface="微軟正黑體" pitchFamily="34" charset="-120"/>
               </a:rPr>
-              <a:t>分辨模型，用來分辨真偽</a:t>
+              <a:t>原始雜訊</a:t>
             </a:r>
             <a:endParaRPr lang="en-US" altLang="zh-TW" sz="3200" b="1" dirty="0" smtClean="0">
               <a:latin typeface="微軟正黑體" pitchFamily="34" charset="-120"/>
@@ -16144,7 +17571,7 @@
                 <a:latin typeface="微軟正黑體" pitchFamily="34" charset="-120"/>
                 <a:ea typeface="微軟正黑體" pitchFamily="34" charset="-120"/>
               </a:rPr>
-              <a:t>原始雜訊</a:t>
+              <a:t>產生模型，用來產生假資料</a:t>
             </a:r>
             <a:endParaRPr lang="en-US" altLang="zh-TW" sz="3200" b="1" dirty="0" smtClean="0">
               <a:latin typeface="微軟正黑體" pitchFamily="34" charset="-120"/>
@@ -16161,24 +17588,7 @@
                 <a:latin typeface="微軟正黑體" pitchFamily="34" charset="-120"/>
                 <a:ea typeface="微軟正黑體" pitchFamily="34" charset="-120"/>
               </a:rPr>
-              <a:t>產生模型，用來產生假資料</a:t>
-            </a:r>
-            <a:endParaRPr lang="en-US" altLang="zh-TW" sz="3200" b="1" dirty="0" smtClean="0">
-              <a:latin typeface="微軟正黑體" pitchFamily="34" charset="-120"/>
-              <a:ea typeface="微軟正黑體" pitchFamily="34" charset="-120"/>
-            </a:endParaRPr>
-          </a:p>
-          <a:p>
-            <a:pPr marL="742950" indent="-742950">
-              <a:buFont typeface="+mj-lt"/>
-              <a:buAutoNum type="arabicPeriod"/>
-            </a:pPr>
-            <a:r>
-              <a:rPr lang="zh-TW" altLang="en-US" sz="3200" b="1" dirty="0" smtClean="0">
-                <a:latin typeface="微軟正黑體" pitchFamily="34" charset="-120"/>
-                <a:ea typeface="微軟正黑體" pitchFamily="34" charset="-120"/>
-              </a:rPr>
-              <a:t>偽造集，產生器做出的假資料，為為為偽，所以標記都是</a:t>
+              <a:t>偽造集，產生器做出的假資料，因為為偽，所以標記都是</a:t>
             </a:r>
             <a:r>
               <a:rPr lang="en-US" altLang="zh-TW" sz="3200" b="1" dirty="0" smtClean="0">
